--- a/Tetris.pptx
+++ b/Tetris.pptx
@@ -6,12 +6,17 @@
   </p:sldMasterIdLst>
   <p:sldIdLst>
     <p:sldId id="256" r:id="rId2"/>
-    <p:sldId id="257" r:id="rId3"/>
-    <p:sldId id="259" r:id="rId4"/>
-    <p:sldId id="260" r:id="rId5"/>
-    <p:sldId id="261" r:id="rId6"/>
-    <p:sldId id="262" r:id="rId7"/>
-    <p:sldId id="258" r:id="rId8"/>
+    <p:sldId id="259" r:id="rId3"/>
+    <p:sldId id="265" r:id="rId4"/>
+    <p:sldId id="264" r:id="rId5"/>
+    <p:sldId id="267" r:id="rId6"/>
+    <p:sldId id="268" r:id="rId7"/>
+    <p:sldId id="269" r:id="rId8"/>
+    <p:sldId id="266" r:id="rId9"/>
+    <p:sldId id="271" r:id="rId10"/>
+    <p:sldId id="272" r:id="rId11"/>
+    <p:sldId id="270" r:id="rId12"/>
+    <p:sldId id="258" r:id="rId13"/>
   </p:sldIdLst>
   <p:sldSz cx="12192000" cy="6858000"/>
   <p:notesSz cx="6858000" cy="9144000"/>
@@ -135,7 +140,7 @@
           <p:cNvPr id="2" name="Заголовок 1">
             <a:extLst>
               <a:ext uri="{FF2B5EF4-FFF2-40B4-BE49-F238E27FC236}">
-                <a16:creationId xmlns:a16="http://schemas.microsoft.com/office/drawing/2014/main" id="{7A3DB960-9B12-4B9C-B058-6C5DE0006652}"/>
+                <a16:creationId xmlns="" xmlns:a16="http://schemas.microsoft.com/office/drawing/2014/main" id="{7A3DB960-9B12-4B9C-B058-6C5DE0006652}"/>
               </a:ext>
             </a:extLst>
           </p:cNvPr>
@@ -172,7 +177,7 @@
           <p:cNvPr id="3" name="Подзаголовок 2">
             <a:extLst>
               <a:ext uri="{FF2B5EF4-FFF2-40B4-BE49-F238E27FC236}">
-                <a16:creationId xmlns:a16="http://schemas.microsoft.com/office/drawing/2014/main" id="{B8F75B01-D9E4-446E-A3A6-91E002621044}"/>
+                <a16:creationId xmlns="" xmlns:a16="http://schemas.microsoft.com/office/drawing/2014/main" id="{B8F75B01-D9E4-446E-A3A6-91E002621044}"/>
               </a:ext>
             </a:extLst>
           </p:cNvPr>
@@ -242,7 +247,7 @@
           <p:cNvPr id="4" name="Дата 3">
             <a:extLst>
               <a:ext uri="{FF2B5EF4-FFF2-40B4-BE49-F238E27FC236}">
-                <a16:creationId xmlns:a16="http://schemas.microsoft.com/office/drawing/2014/main" id="{A0448354-267F-4099-9B01-3FD0A9DE426B}"/>
+                <a16:creationId xmlns="" xmlns:a16="http://schemas.microsoft.com/office/drawing/2014/main" id="{A0448354-267F-4099-9B01-3FD0A9DE426B}"/>
               </a:ext>
             </a:extLst>
           </p:cNvPr>
@@ -260,7 +265,8 @@
           <a:p>
             <a:fld id="{2F3400DD-A5C3-45AD-B2C3-BE2E14B3332E}" type="datetimeFigureOut">
               <a:rPr lang="ru-RU" smtClean="0"/>
-              <a:t>08.01.2021</a:t>
+              <a:pPr/>
+              <a:t>15.01.2021</a:t>
             </a:fld>
             <a:endParaRPr lang="ru-RU"/>
           </a:p>
@@ -271,7 +277,7 @@
           <p:cNvPr id="5" name="Нижний колонтитул 4">
             <a:extLst>
               <a:ext uri="{FF2B5EF4-FFF2-40B4-BE49-F238E27FC236}">
-                <a16:creationId xmlns:a16="http://schemas.microsoft.com/office/drawing/2014/main" id="{03DE902E-E9E6-4ADF-AD24-C50F8B4A8877}"/>
+                <a16:creationId xmlns="" xmlns:a16="http://schemas.microsoft.com/office/drawing/2014/main" id="{03DE902E-E9E6-4ADF-AD24-C50F8B4A8877}"/>
               </a:ext>
             </a:extLst>
           </p:cNvPr>
@@ -296,7 +302,7 @@
           <p:cNvPr id="6" name="Номер слайда 5">
             <a:extLst>
               <a:ext uri="{FF2B5EF4-FFF2-40B4-BE49-F238E27FC236}">
-                <a16:creationId xmlns:a16="http://schemas.microsoft.com/office/drawing/2014/main" id="{2D47D6DB-B756-4471-9FF8-7D3824E5E51F}"/>
+                <a16:creationId xmlns="" xmlns:a16="http://schemas.microsoft.com/office/drawing/2014/main" id="{2D47D6DB-B756-4471-9FF8-7D3824E5E51F}"/>
               </a:ext>
             </a:extLst>
           </p:cNvPr>
@@ -314,6 +320,7 @@
           <a:p>
             <a:fld id="{21FB98B4-876B-413A-BE6A-59AFA497679F}" type="slidenum">
               <a:rPr lang="ru-RU" smtClean="0"/>
+              <a:pPr/>
               <a:t>‹#›</a:t>
             </a:fld>
             <a:endParaRPr lang="ru-RU"/>
@@ -323,7 +330,7 @@
     </p:spTree>
     <p:extLst>
       <p:ext uri="{BB962C8B-B14F-4D97-AF65-F5344CB8AC3E}">
-        <p14:creationId xmlns:p14="http://schemas.microsoft.com/office/powerpoint/2010/main" val="98417758"/>
+        <p14:creationId xmlns="" xmlns:p14="http://schemas.microsoft.com/office/powerpoint/2010/main" val="98417758"/>
       </p:ext>
     </p:extLst>
   </p:cSld>
@@ -355,7 +362,7 @@
           <p:cNvPr id="2" name="Заголовок 1">
             <a:extLst>
               <a:ext uri="{FF2B5EF4-FFF2-40B4-BE49-F238E27FC236}">
-                <a16:creationId xmlns:a16="http://schemas.microsoft.com/office/drawing/2014/main" id="{816DAFCD-771B-4688-8040-B9CFC1F0AE2E}"/>
+                <a16:creationId xmlns="" xmlns:a16="http://schemas.microsoft.com/office/drawing/2014/main" id="{816DAFCD-771B-4688-8040-B9CFC1F0AE2E}"/>
               </a:ext>
             </a:extLst>
           </p:cNvPr>
@@ -383,7 +390,7 @@
           <p:cNvPr id="3" name="Вертикальный текст 2">
             <a:extLst>
               <a:ext uri="{FF2B5EF4-FFF2-40B4-BE49-F238E27FC236}">
-                <a16:creationId xmlns:a16="http://schemas.microsoft.com/office/drawing/2014/main" id="{5872B712-23FE-452E-BDB3-698FD2A190D1}"/>
+                <a16:creationId xmlns="" xmlns:a16="http://schemas.microsoft.com/office/drawing/2014/main" id="{5872B712-23FE-452E-BDB3-698FD2A190D1}"/>
               </a:ext>
             </a:extLst>
           </p:cNvPr>
@@ -440,7 +447,7 @@
           <p:cNvPr id="4" name="Дата 3">
             <a:extLst>
               <a:ext uri="{FF2B5EF4-FFF2-40B4-BE49-F238E27FC236}">
-                <a16:creationId xmlns:a16="http://schemas.microsoft.com/office/drawing/2014/main" id="{B3A9580F-7725-4471-B336-B2585B542F2E}"/>
+                <a16:creationId xmlns="" xmlns:a16="http://schemas.microsoft.com/office/drawing/2014/main" id="{B3A9580F-7725-4471-B336-B2585B542F2E}"/>
               </a:ext>
             </a:extLst>
           </p:cNvPr>
@@ -458,7 +465,8 @@
           <a:p>
             <a:fld id="{2F3400DD-A5C3-45AD-B2C3-BE2E14B3332E}" type="datetimeFigureOut">
               <a:rPr lang="ru-RU" smtClean="0"/>
-              <a:t>08.01.2021</a:t>
+              <a:pPr/>
+              <a:t>15.01.2021</a:t>
             </a:fld>
             <a:endParaRPr lang="ru-RU"/>
           </a:p>
@@ -469,7 +477,7 @@
           <p:cNvPr id="5" name="Нижний колонтитул 4">
             <a:extLst>
               <a:ext uri="{FF2B5EF4-FFF2-40B4-BE49-F238E27FC236}">
-                <a16:creationId xmlns:a16="http://schemas.microsoft.com/office/drawing/2014/main" id="{C50E0BE2-787E-4A20-B5B2-A0BFF5A88F0A}"/>
+                <a16:creationId xmlns="" xmlns:a16="http://schemas.microsoft.com/office/drawing/2014/main" id="{C50E0BE2-787E-4A20-B5B2-A0BFF5A88F0A}"/>
               </a:ext>
             </a:extLst>
           </p:cNvPr>
@@ -494,7 +502,7 @@
           <p:cNvPr id="6" name="Номер слайда 5">
             <a:extLst>
               <a:ext uri="{FF2B5EF4-FFF2-40B4-BE49-F238E27FC236}">
-                <a16:creationId xmlns:a16="http://schemas.microsoft.com/office/drawing/2014/main" id="{98D1BE28-7393-42DB-9536-0D098486209F}"/>
+                <a16:creationId xmlns="" xmlns:a16="http://schemas.microsoft.com/office/drawing/2014/main" id="{98D1BE28-7393-42DB-9536-0D098486209F}"/>
               </a:ext>
             </a:extLst>
           </p:cNvPr>
@@ -512,6 +520,7 @@
           <a:p>
             <a:fld id="{21FB98B4-876B-413A-BE6A-59AFA497679F}" type="slidenum">
               <a:rPr lang="ru-RU" smtClean="0"/>
+              <a:pPr/>
               <a:t>‹#›</a:t>
             </a:fld>
             <a:endParaRPr lang="ru-RU"/>
@@ -521,7 +530,7 @@
     </p:spTree>
     <p:extLst>
       <p:ext uri="{BB962C8B-B14F-4D97-AF65-F5344CB8AC3E}">
-        <p14:creationId xmlns:p14="http://schemas.microsoft.com/office/powerpoint/2010/main" val="1363623453"/>
+        <p14:creationId xmlns="" xmlns:p14="http://schemas.microsoft.com/office/powerpoint/2010/main" val="1363623453"/>
       </p:ext>
     </p:extLst>
   </p:cSld>
@@ -553,7 +562,7 @@
           <p:cNvPr id="2" name="Вертикальный заголовок 1">
             <a:extLst>
               <a:ext uri="{FF2B5EF4-FFF2-40B4-BE49-F238E27FC236}">
-                <a16:creationId xmlns:a16="http://schemas.microsoft.com/office/drawing/2014/main" id="{66A2F19C-5454-400B-AD4D-3D8E94E89605}"/>
+                <a16:creationId xmlns="" xmlns:a16="http://schemas.microsoft.com/office/drawing/2014/main" id="{66A2F19C-5454-400B-AD4D-3D8E94E89605}"/>
               </a:ext>
             </a:extLst>
           </p:cNvPr>
@@ -586,7 +595,7 @@
           <p:cNvPr id="3" name="Вертикальный текст 2">
             <a:extLst>
               <a:ext uri="{FF2B5EF4-FFF2-40B4-BE49-F238E27FC236}">
-                <a16:creationId xmlns:a16="http://schemas.microsoft.com/office/drawing/2014/main" id="{9F08C603-3A33-4660-837B-7CFFC1CD4259}"/>
+                <a16:creationId xmlns="" xmlns:a16="http://schemas.microsoft.com/office/drawing/2014/main" id="{9F08C603-3A33-4660-837B-7CFFC1CD4259}"/>
               </a:ext>
             </a:extLst>
           </p:cNvPr>
@@ -648,7 +657,7 @@
           <p:cNvPr id="4" name="Дата 3">
             <a:extLst>
               <a:ext uri="{FF2B5EF4-FFF2-40B4-BE49-F238E27FC236}">
-                <a16:creationId xmlns:a16="http://schemas.microsoft.com/office/drawing/2014/main" id="{DBADC7AA-472C-405E-922F-971F02AD288B}"/>
+                <a16:creationId xmlns="" xmlns:a16="http://schemas.microsoft.com/office/drawing/2014/main" id="{DBADC7AA-472C-405E-922F-971F02AD288B}"/>
               </a:ext>
             </a:extLst>
           </p:cNvPr>
@@ -666,7 +675,8 @@
           <a:p>
             <a:fld id="{2F3400DD-A5C3-45AD-B2C3-BE2E14B3332E}" type="datetimeFigureOut">
               <a:rPr lang="ru-RU" smtClean="0"/>
-              <a:t>08.01.2021</a:t>
+              <a:pPr/>
+              <a:t>15.01.2021</a:t>
             </a:fld>
             <a:endParaRPr lang="ru-RU"/>
           </a:p>
@@ -677,7 +687,7 @@
           <p:cNvPr id="5" name="Нижний колонтитул 4">
             <a:extLst>
               <a:ext uri="{FF2B5EF4-FFF2-40B4-BE49-F238E27FC236}">
-                <a16:creationId xmlns:a16="http://schemas.microsoft.com/office/drawing/2014/main" id="{5DCE5BE3-55F4-47FC-A5B1-A6D3D7C8A3E5}"/>
+                <a16:creationId xmlns="" xmlns:a16="http://schemas.microsoft.com/office/drawing/2014/main" id="{5DCE5BE3-55F4-47FC-A5B1-A6D3D7C8A3E5}"/>
               </a:ext>
             </a:extLst>
           </p:cNvPr>
@@ -702,7 +712,7 @@
           <p:cNvPr id="6" name="Номер слайда 5">
             <a:extLst>
               <a:ext uri="{FF2B5EF4-FFF2-40B4-BE49-F238E27FC236}">
-                <a16:creationId xmlns:a16="http://schemas.microsoft.com/office/drawing/2014/main" id="{F8C15717-E263-4DC2-8FF0-C35D9EB45D8C}"/>
+                <a16:creationId xmlns="" xmlns:a16="http://schemas.microsoft.com/office/drawing/2014/main" id="{F8C15717-E263-4DC2-8FF0-C35D9EB45D8C}"/>
               </a:ext>
             </a:extLst>
           </p:cNvPr>
@@ -720,6 +730,7 @@
           <a:p>
             <a:fld id="{21FB98B4-876B-413A-BE6A-59AFA497679F}" type="slidenum">
               <a:rPr lang="ru-RU" smtClean="0"/>
+              <a:pPr/>
               <a:t>‹#›</a:t>
             </a:fld>
             <a:endParaRPr lang="ru-RU"/>
@@ -729,7 +740,7 @@
     </p:spTree>
     <p:extLst>
       <p:ext uri="{BB962C8B-B14F-4D97-AF65-F5344CB8AC3E}">
-        <p14:creationId xmlns:p14="http://schemas.microsoft.com/office/powerpoint/2010/main" val="4158152281"/>
+        <p14:creationId xmlns="" xmlns:p14="http://schemas.microsoft.com/office/powerpoint/2010/main" val="4158152281"/>
       </p:ext>
     </p:extLst>
   </p:cSld>
@@ -761,7 +772,7 @@
           <p:cNvPr id="2" name="Заголовок 1">
             <a:extLst>
               <a:ext uri="{FF2B5EF4-FFF2-40B4-BE49-F238E27FC236}">
-                <a16:creationId xmlns:a16="http://schemas.microsoft.com/office/drawing/2014/main" id="{F88ADE96-131E-4C51-84E8-F6317531E4E6}"/>
+                <a16:creationId xmlns="" xmlns:a16="http://schemas.microsoft.com/office/drawing/2014/main" id="{F88ADE96-131E-4C51-84E8-F6317531E4E6}"/>
               </a:ext>
             </a:extLst>
           </p:cNvPr>
@@ -789,7 +800,7 @@
           <p:cNvPr id="3" name="Объект 2">
             <a:extLst>
               <a:ext uri="{FF2B5EF4-FFF2-40B4-BE49-F238E27FC236}">
-                <a16:creationId xmlns:a16="http://schemas.microsoft.com/office/drawing/2014/main" id="{1C7379B3-FE60-471A-8989-3F3D36D3D863}"/>
+                <a16:creationId xmlns="" xmlns:a16="http://schemas.microsoft.com/office/drawing/2014/main" id="{1C7379B3-FE60-471A-8989-3F3D36D3D863}"/>
               </a:ext>
             </a:extLst>
           </p:cNvPr>
@@ -846,7 +857,7 @@
           <p:cNvPr id="4" name="Дата 3">
             <a:extLst>
               <a:ext uri="{FF2B5EF4-FFF2-40B4-BE49-F238E27FC236}">
-                <a16:creationId xmlns:a16="http://schemas.microsoft.com/office/drawing/2014/main" id="{BD78414B-1592-4C71-A713-BD870B6BFD5A}"/>
+                <a16:creationId xmlns="" xmlns:a16="http://schemas.microsoft.com/office/drawing/2014/main" id="{BD78414B-1592-4C71-A713-BD870B6BFD5A}"/>
               </a:ext>
             </a:extLst>
           </p:cNvPr>
@@ -864,7 +875,8 @@
           <a:p>
             <a:fld id="{2F3400DD-A5C3-45AD-B2C3-BE2E14B3332E}" type="datetimeFigureOut">
               <a:rPr lang="ru-RU" smtClean="0"/>
-              <a:t>08.01.2021</a:t>
+              <a:pPr/>
+              <a:t>15.01.2021</a:t>
             </a:fld>
             <a:endParaRPr lang="ru-RU"/>
           </a:p>
@@ -875,7 +887,7 @@
           <p:cNvPr id="5" name="Нижний колонтитул 4">
             <a:extLst>
               <a:ext uri="{FF2B5EF4-FFF2-40B4-BE49-F238E27FC236}">
-                <a16:creationId xmlns:a16="http://schemas.microsoft.com/office/drawing/2014/main" id="{9F7639DE-AFD9-4C48-A9FE-E881C121DA9A}"/>
+                <a16:creationId xmlns="" xmlns:a16="http://schemas.microsoft.com/office/drawing/2014/main" id="{9F7639DE-AFD9-4C48-A9FE-E881C121DA9A}"/>
               </a:ext>
             </a:extLst>
           </p:cNvPr>
@@ -900,7 +912,7 @@
           <p:cNvPr id="6" name="Номер слайда 5">
             <a:extLst>
               <a:ext uri="{FF2B5EF4-FFF2-40B4-BE49-F238E27FC236}">
-                <a16:creationId xmlns:a16="http://schemas.microsoft.com/office/drawing/2014/main" id="{99D9BAA8-0850-4E9F-89C2-86D0A7E67122}"/>
+                <a16:creationId xmlns="" xmlns:a16="http://schemas.microsoft.com/office/drawing/2014/main" id="{99D9BAA8-0850-4E9F-89C2-86D0A7E67122}"/>
               </a:ext>
             </a:extLst>
           </p:cNvPr>
@@ -918,6 +930,7 @@
           <a:p>
             <a:fld id="{21FB98B4-876B-413A-BE6A-59AFA497679F}" type="slidenum">
               <a:rPr lang="ru-RU" smtClean="0"/>
+              <a:pPr/>
               <a:t>‹#›</a:t>
             </a:fld>
             <a:endParaRPr lang="ru-RU"/>
@@ -927,7 +940,7 @@
     </p:spTree>
     <p:extLst>
       <p:ext uri="{BB962C8B-B14F-4D97-AF65-F5344CB8AC3E}">
-        <p14:creationId xmlns:p14="http://schemas.microsoft.com/office/powerpoint/2010/main" val="3877406188"/>
+        <p14:creationId xmlns="" xmlns:p14="http://schemas.microsoft.com/office/powerpoint/2010/main" val="3877406188"/>
       </p:ext>
     </p:extLst>
   </p:cSld>
@@ -959,7 +972,7 @@
           <p:cNvPr id="2" name="Заголовок 1">
             <a:extLst>
               <a:ext uri="{FF2B5EF4-FFF2-40B4-BE49-F238E27FC236}">
-                <a16:creationId xmlns:a16="http://schemas.microsoft.com/office/drawing/2014/main" id="{40FD3EB6-B6D4-4106-8CCA-4386D3D957BF}"/>
+                <a16:creationId xmlns="" xmlns:a16="http://schemas.microsoft.com/office/drawing/2014/main" id="{40FD3EB6-B6D4-4106-8CCA-4386D3D957BF}"/>
               </a:ext>
             </a:extLst>
           </p:cNvPr>
@@ -996,7 +1009,7 @@
           <p:cNvPr id="3" name="Текст 2">
             <a:extLst>
               <a:ext uri="{FF2B5EF4-FFF2-40B4-BE49-F238E27FC236}">
-                <a16:creationId xmlns:a16="http://schemas.microsoft.com/office/drawing/2014/main" id="{720A497D-B7F1-4F48-97E9-46A99D09AB79}"/>
+                <a16:creationId xmlns="" xmlns:a16="http://schemas.microsoft.com/office/drawing/2014/main" id="{720A497D-B7F1-4F48-97E9-46A99D09AB79}"/>
               </a:ext>
             </a:extLst>
           </p:cNvPr>
@@ -1121,7 +1134,7 @@
           <p:cNvPr id="4" name="Дата 3">
             <a:extLst>
               <a:ext uri="{FF2B5EF4-FFF2-40B4-BE49-F238E27FC236}">
-                <a16:creationId xmlns:a16="http://schemas.microsoft.com/office/drawing/2014/main" id="{FD7E894E-D0F4-45B1-9DF9-020086F99BF5}"/>
+                <a16:creationId xmlns="" xmlns:a16="http://schemas.microsoft.com/office/drawing/2014/main" id="{FD7E894E-D0F4-45B1-9DF9-020086F99BF5}"/>
               </a:ext>
             </a:extLst>
           </p:cNvPr>
@@ -1139,7 +1152,8 @@
           <a:p>
             <a:fld id="{2F3400DD-A5C3-45AD-B2C3-BE2E14B3332E}" type="datetimeFigureOut">
               <a:rPr lang="ru-RU" smtClean="0"/>
-              <a:t>08.01.2021</a:t>
+              <a:pPr/>
+              <a:t>15.01.2021</a:t>
             </a:fld>
             <a:endParaRPr lang="ru-RU"/>
           </a:p>
@@ -1150,7 +1164,7 @@
           <p:cNvPr id="5" name="Нижний колонтитул 4">
             <a:extLst>
               <a:ext uri="{FF2B5EF4-FFF2-40B4-BE49-F238E27FC236}">
-                <a16:creationId xmlns:a16="http://schemas.microsoft.com/office/drawing/2014/main" id="{733B362E-C149-480D-B389-BEF2E405470D}"/>
+                <a16:creationId xmlns="" xmlns:a16="http://schemas.microsoft.com/office/drawing/2014/main" id="{733B362E-C149-480D-B389-BEF2E405470D}"/>
               </a:ext>
             </a:extLst>
           </p:cNvPr>
@@ -1175,7 +1189,7 @@
           <p:cNvPr id="6" name="Номер слайда 5">
             <a:extLst>
               <a:ext uri="{FF2B5EF4-FFF2-40B4-BE49-F238E27FC236}">
-                <a16:creationId xmlns:a16="http://schemas.microsoft.com/office/drawing/2014/main" id="{A67FE82C-3984-4C5E-90DB-24A4EFCCA1B2}"/>
+                <a16:creationId xmlns="" xmlns:a16="http://schemas.microsoft.com/office/drawing/2014/main" id="{A67FE82C-3984-4C5E-90DB-24A4EFCCA1B2}"/>
               </a:ext>
             </a:extLst>
           </p:cNvPr>
@@ -1193,6 +1207,7 @@
           <a:p>
             <a:fld id="{21FB98B4-876B-413A-BE6A-59AFA497679F}" type="slidenum">
               <a:rPr lang="ru-RU" smtClean="0"/>
+              <a:pPr/>
               <a:t>‹#›</a:t>
             </a:fld>
             <a:endParaRPr lang="ru-RU"/>
@@ -1202,7 +1217,7 @@
     </p:spTree>
     <p:extLst>
       <p:ext uri="{BB962C8B-B14F-4D97-AF65-F5344CB8AC3E}">
-        <p14:creationId xmlns:p14="http://schemas.microsoft.com/office/powerpoint/2010/main" val="783166681"/>
+        <p14:creationId xmlns="" xmlns:p14="http://schemas.microsoft.com/office/powerpoint/2010/main" val="783166681"/>
       </p:ext>
     </p:extLst>
   </p:cSld>
@@ -1234,7 +1249,7 @@
           <p:cNvPr id="2" name="Заголовок 1">
             <a:extLst>
               <a:ext uri="{FF2B5EF4-FFF2-40B4-BE49-F238E27FC236}">
-                <a16:creationId xmlns:a16="http://schemas.microsoft.com/office/drawing/2014/main" id="{2B37B5A7-849C-4C2C-A694-B9FD50166236}"/>
+                <a16:creationId xmlns="" xmlns:a16="http://schemas.microsoft.com/office/drawing/2014/main" id="{2B37B5A7-849C-4C2C-A694-B9FD50166236}"/>
               </a:ext>
             </a:extLst>
           </p:cNvPr>
@@ -1262,7 +1277,7 @@
           <p:cNvPr id="3" name="Объект 2">
             <a:extLst>
               <a:ext uri="{FF2B5EF4-FFF2-40B4-BE49-F238E27FC236}">
-                <a16:creationId xmlns:a16="http://schemas.microsoft.com/office/drawing/2014/main" id="{02FFB5D7-0878-4A5D-BCAA-19CC7FC19EF9}"/>
+                <a16:creationId xmlns="" xmlns:a16="http://schemas.microsoft.com/office/drawing/2014/main" id="{02FFB5D7-0878-4A5D-BCAA-19CC7FC19EF9}"/>
               </a:ext>
             </a:extLst>
           </p:cNvPr>
@@ -1324,7 +1339,7 @@
           <p:cNvPr id="4" name="Объект 3">
             <a:extLst>
               <a:ext uri="{FF2B5EF4-FFF2-40B4-BE49-F238E27FC236}">
-                <a16:creationId xmlns:a16="http://schemas.microsoft.com/office/drawing/2014/main" id="{4541B5AD-8DF2-4D37-959A-D97536BAE696}"/>
+                <a16:creationId xmlns="" xmlns:a16="http://schemas.microsoft.com/office/drawing/2014/main" id="{4541B5AD-8DF2-4D37-959A-D97536BAE696}"/>
               </a:ext>
             </a:extLst>
           </p:cNvPr>
@@ -1386,7 +1401,7 @@
           <p:cNvPr id="5" name="Дата 4">
             <a:extLst>
               <a:ext uri="{FF2B5EF4-FFF2-40B4-BE49-F238E27FC236}">
-                <a16:creationId xmlns:a16="http://schemas.microsoft.com/office/drawing/2014/main" id="{322E4507-2689-4D88-92EC-6620CC2F83D9}"/>
+                <a16:creationId xmlns="" xmlns:a16="http://schemas.microsoft.com/office/drawing/2014/main" id="{322E4507-2689-4D88-92EC-6620CC2F83D9}"/>
               </a:ext>
             </a:extLst>
           </p:cNvPr>
@@ -1404,7 +1419,8 @@
           <a:p>
             <a:fld id="{2F3400DD-A5C3-45AD-B2C3-BE2E14B3332E}" type="datetimeFigureOut">
               <a:rPr lang="ru-RU" smtClean="0"/>
-              <a:t>08.01.2021</a:t>
+              <a:pPr/>
+              <a:t>15.01.2021</a:t>
             </a:fld>
             <a:endParaRPr lang="ru-RU"/>
           </a:p>
@@ -1415,7 +1431,7 @@
           <p:cNvPr id="6" name="Нижний колонтитул 5">
             <a:extLst>
               <a:ext uri="{FF2B5EF4-FFF2-40B4-BE49-F238E27FC236}">
-                <a16:creationId xmlns:a16="http://schemas.microsoft.com/office/drawing/2014/main" id="{95991364-CDD7-427F-A114-4D91B16F7668}"/>
+                <a16:creationId xmlns="" xmlns:a16="http://schemas.microsoft.com/office/drawing/2014/main" id="{95991364-CDD7-427F-A114-4D91B16F7668}"/>
               </a:ext>
             </a:extLst>
           </p:cNvPr>
@@ -1440,7 +1456,7 @@
           <p:cNvPr id="7" name="Номер слайда 6">
             <a:extLst>
               <a:ext uri="{FF2B5EF4-FFF2-40B4-BE49-F238E27FC236}">
-                <a16:creationId xmlns:a16="http://schemas.microsoft.com/office/drawing/2014/main" id="{F004A96C-325E-405D-A7D7-0A47A04DEF54}"/>
+                <a16:creationId xmlns="" xmlns:a16="http://schemas.microsoft.com/office/drawing/2014/main" id="{F004A96C-325E-405D-A7D7-0A47A04DEF54}"/>
               </a:ext>
             </a:extLst>
           </p:cNvPr>
@@ -1458,6 +1474,7 @@
           <a:p>
             <a:fld id="{21FB98B4-876B-413A-BE6A-59AFA497679F}" type="slidenum">
               <a:rPr lang="ru-RU" smtClean="0"/>
+              <a:pPr/>
               <a:t>‹#›</a:t>
             </a:fld>
             <a:endParaRPr lang="ru-RU"/>
@@ -1467,7 +1484,7 @@
     </p:spTree>
     <p:extLst>
       <p:ext uri="{BB962C8B-B14F-4D97-AF65-F5344CB8AC3E}">
-        <p14:creationId xmlns:p14="http://schemas.microsoft.com/office/powerpoint/2010/main" val="4119997657"/>
+        <p14:creationId xmlns="" xmlns:p14="http://schemas.microsoft.com/office/powerpoint/2010/main" val="4119997657"/>
       </p:ext>
     </p:extLst>
   </p:cSld>
@@ -1499,7 +1516,7 @@
           <p:cNvPr id="2" name="Заголовок 1">
             <a:extLst>
               <a:ext uri="{FF2B5EF4-FFF2-40B4-BE49-F238E27FC236}">
-                <a16:creationId xmlns:a16="http://schemas.microsoft.com/office/drawing/2014/main" id="{4571616F-580B-4FD1-9E3C-484344484550}"/>
+                <a16:creationId xmlns="" xmlns:a16="http://schemas.microsoft.com/office/drawing/2014/main" id="{4571616F-580B-4FD1-9E3C-484344484550}"/>
               </a:ext>
             </a:extLst>
           </p:cNvPr>
@@ -1532,7 +1549,7 @@
           <p:cNvPr id="3" name="Текст 2">
             <a:extLst>
               <a:ext uri="{FF2B5EF4-FFF2-40B4-BE49-F238E27FC236}">
-                <a16:creationId xmlns:a16="http://schemas.microsoft.com/office/drawing/2014/main" id="{27AF1F04-9BF9-4014-BD70-B5F8318D0AD1}"/>
+                <a16:creationId xmlns="" xmlns:a16="http://schemas.microsoft.com/office/drawing/2014/main" id="{27AF1F04-9BF9-4014-BD70-B5F8318D0AD1}"/>
               </a:ext>
             </a:extLst>
           </p:cNvPr>
@@ -1603,7 +1620,7 @@
           <p:cNvPr id="4" name="Объект 3">
             <a:extLst>
               <a:ext uri="{FF2B5EF4-FFF2-40B4-BE49-F238E27FC236}">
-                <a16:creationId xmlns:a16="http://schemas.microsoft.com/office/drawing/2014/main" id="{CF2EB898-4A7D-4FBC-AA0F-8E9A4FEC36B1}"/>
+                <a16:creationId xmlns="" xmlns:a16="http://schemas.microsoft.com/office/drawing/2014/main" id="{CF2EB898-4A7D-4FBC-AA0F-8E9A4FEC36B1}"/>
               </a:ext>
             </a:extLst>
           </p:cNvPr>
@@ -1665,7 +1682,7 @@
           <p:cNvPr id="5" name="Текст 4">
             <a:extLst>
               <a:ext uri="{FF2B5EF4-FFF2-40B4-BE49-F238E27FC236}">
-                <a16:creationId xmlns:a16="http://schemas.microsoft.com/office/drawing/2014/main" id="{E87A39A6-99D9-4C92-B5F4-FDBAA3288D1F}"/>
+                <a16:creationId xmlns="" xmlns:a16="http://schemas.microsoft.com/office/drawing/2014/main" id="{E87A39A6-99D9-4C92-B5F4-FDBAA3288D1F}"/>
               </a:ext>
             </a:extLst>
           </p:cNvPr>
@@ -1736,7 +1753,7 @@
           <p:cNvPr id="6" name="Объект 5">
             <a:extLst>
               <a:ext uri="{FF2B5EF4-FFF2-40B4-BE49-F238E27FC236}">
-                <a16:creationId xmlns:a16="http://schemas.microsoft.com/office/drawing/2014/main" id="{914CD40D-E56C-4EB7-BBDD-770F01895288}"/>
+                <a16:creationId xmlns="" xmlns:a16="http://schemas.microsoft.com/office/drawing/2014/main" id="{914CD40D-E56C-4EB7-BBDD-770F01895288}"/>
               </a:ext>
             </a:extLst>
           </p:cNvPr>
@@ -1798,7 +1815,7 @@
           <p:cNvPr id="7" name="Дата 6">
             <a:extLst>
               <a:ext uri="{FF2B5EF4-FFF2-40B4-BE49-F238E27FC236}">
-                <a16:creationId xmlns:a16="http://schemas.microsoft.com/office/drawing/2014/main" id="{98572081-63E7-4A53-8ACE-E0EA5452CB3B}"/>
+                <a16:creationId xmlns="" xmlns:a16="http://schemas.microsoft.com/office/drawing/2014/main" id="{98572081-63E7-4A53-8ACE-E0EA5452CB3B}"/>
               </a:ext>
             </a:extLst>
           </p:cNvPr>
@@ -1816,7 +1833,8 @@
           <a:p>
             <a:fld id="{2F3400DD-A5C3-45AD-B2C3-BE2E14B3332E}" type="datetimeFigureOut">
               <a:rPr lang="ru-RU" smtClean="0"/>
-              <a:t>08.01.2021</a:t>
+              <a:pPr/>
+              <a:t>15.01.2021</a:t>
             </a:fld>
             <a:endParaRPr lang="ru-RU"/>
           </a:p>
@@ -1827,7 +1845,7 @@
           <p:cNvPr id="8" name="Нижний колонтитул 7">
             <a:extLst>
               <a:ext uri="{FF2B5EF4-FFF2-40B4-BE49-F238E27FC236}">
-                <a16:creationId xmlns:a16="http://schemas.microsoft.com/office/drawing/2014/main" id="{B32D778F-5063-4614-9A53-9387E33AD8C8}"/>
+                <a16:creationId xmlns="" xmlns:a16="http://schemas.microsoft.com/office/drawing/2014/main" id="{B32D778F-5063-4614-9A53-9387E33AD8C8}"/>
               </a:ext>
             </a:extLst>
           </p:cNvPr>
@@ -1852,7 +1870,7 @@
           <p:cNvPr id="9" name="Номер слайда 8">
             <a:extLst>
               <a:ext uri="{FF2B5EF4-FFF2-40B4-BE49-F238E27FC236}">
-                <a16:creationId xmlns:a16="http://schemas.microsoft.com/office/drawing/2014/main" id="{7FAB9D79-D42F-40AD-8229-01030ABAF0D2}"/>
+                <a16:creationId xmlns="" xmlns:a16="http://schemas.microsoft.com/office/drawing/2014/main" id="{7FAB9D79-D42F-40AD-8229-01030ABAF0D2}"/>
               </a:ext>
             </a:extLst>
           </p:cNvPr>
@@ -1870,6 +1888,7 @@
           <a:p>
             <a:fld id="{21FB98B4-876B-413A-BE6A-59AFA497679F}" type="slidenum">
               <a:rPr lang="ru-RU" smtClean="0"/>
+              <a:pPr/>
               <a:t>‹#›</a:t>
             </a:fld>
             <a:endParaRPr lang="ru-RU"/>
@@ -1879,7 +1898,7 @@
     </p:spTree>
     <p:extLst>
       <p:ext uri="{BB962C8B-B14F-4D97-AF65-F5344CB8AC3E}">
-        <p14:creationId xmlns:p14="http://schemas.microsoft.com/office/powerpoint/2010/main" val="4174940303"/>
+        <p14:creationId xmlns="" xmlns:p14="http://schemas.microsoft.com/office/powerpoint/2010/main" val="4174940303"/>
       </p:ext>
     </p:extLst>
   </p:cSld>
@@ -1911,7 +1930,7 @@
           <p:cNvPr id="2" name="Заголовок 1">
             <a:extLst>
               <a:ext uri="{FF2B5EF4-FFF2-40B4-BE49-F238E27FC236}">
-                <a16:creationId xmlns:a16="http://schemas.microsoft.com/office/drawing/2014/main" id="{4F1BBC23-4C16-40ED-ACEC-749C8A5619EE}"/>
+                <a16:creationId xmlns="" xmlns:a16="http://schemas.microsoft.com/office/drawing/2014/main" id="{4F1BBC23-4C16-40ED-ACEC-749C8A5619EE}"/>
               </a:ext>
             </a:extLst>
           </p:cNvPr>
@@ -1939,7 +1958,7 @@
           <p:cNvPr id="3" name="Дата 2">
             <a:extLst>
               <a:ext uri="{FF2B5EF4-FFF2-40B4-BE49-F238E27FC236}">
-                <a16:creationId xmlns:a16="http://schemas.microsoft.com/office/drawing/2014/main" id="{1D23C35D-50FF-4282-BE74-090B3C99DA51}"/>
+                <a16:creationId xmlns="" xmlns:a16="http://schemas.microsoft.com/office/drawing/2014/main" id="{1D23C35D-50FF-4282-BE74-090B3C99DA51}"/>
               </a:ext>
             </a:extLst>
           </p:cNvPr>
@@ -1957,7 +1976,8 @@
           <a:p>
             <a:fld id="{2F3400DD-A5C3-45AD-B2C3-BE2E14B3332E}" type="datetimeFigureOut">
               <a:rPr lang="ru-RU" smtClean="0"/>
-              <a:t>08.01.2021</a:t>
+              <a:pPr/>
+              <a:t>15.01.2021</a:t>
             </a:fld>
             <a:endParaRPr lang="ru-RU"/>
           </a:p>
@@ -1968,7 +1988,7 @@
           <p:cNvPr id="4" name="Нижний колонтитул 3">
             <a:extLst>
               <a:ext uri="{FF2B5EF4-FFF2-40B4-BE49-F238E27FC236}">
-                <a16:creationId xmlns:a16="http://schemas.microsoft.com/office/drawing/2014/main" id="{6736834B-2027-4233-8981-ABC2397A68AF}"/>
+                <a16:creationId xmlns="" xmlns:a16="http://schemas.microsoft.com/office/drawing/2014/main" id="{6736834B-2027-4233-8981-ABC2397A68AF}"/>
               </a:ext>
             </a:extLst>
           </p:cNvPr>
@@ -1993,7 +2013,7 @@
           <p:cNvPr id="5" name="Номер слайда 4">
             <a:extLst>
               <a:ext uri="{FF2B5EF4-FFF2-40B4-BE49-F238E27FC236}">
-                <a16:creationId xmlns:a16="http://schemas.microsoft.com/office/drawing/2014/main" id="{86BE0185-BA44-4E51-AF2E-136335F23877}"/>
+                <a16:creationId xmlns="" xmlns:a16="http://schemas.microsoft.com/office/drawing/2014/main" id="{86BE0185-BA44-4E51-AF2E-136335F23877}"/>
               </a:ext>
             </a:extLst>
           </p:cNvPr>
@@ -2011,6 +2031,7 @@
           <a:p>
             <a:fld id="{21FB98B4-876B-413A-BE6A-59AFA497679F}" type="slidenum">
               <a:rPr lang="ru-RU" smtClean="0"/>
+              <a:pPr/>
               <a:t>‹#›</a:t>
             </a:fld>
             <a:endParaRPr lang="ru-RU"/>
@@ -2020,7 +2041,7 @@
     </p:spTree>
     <p:extLst>
       <p:ext uri="{BB962C8B-B14F-4D97-AF65-F5344CB8AC3E}">
-        <p14:creationId xmlns:p14="http://schemas.microsoft.com/office/powerpoint/2010/main" val="2052099537"/>
+        <p14:creationId xmlns="" xmlns:p14="http://schemas.microsoft.com/office/powerpoint/2010/main" val="2052099537"/>
       </p:ext>
     </p:extLst>
   </p:cSld>
@@ -2052,7 +2073,7 @@
           <p:cNvPr id="2" name="Дата 1">
             <a:extLst>
               <a:ext uri="{FF2B5EF4-FFF2-40B4-BE49-F238E27FC236}">
-                <a16:creationId xmlns:a16="http://schemas.microsoft.com/office/drawing/2014/main" id="{609C5A75-F0A6-4CD2-BA10-4EF12D386F93}"/>
+                <a16:creationId xmlns="" xmlns:a16="http://schemas.microsoft.com/office/drawing/2014/main" id="{609C5A75-F0A6-4CD2-BA10-4EF12D386F93}"/>
               </a:ext>
             </a:extLst>
           </p:cNvPr>
@@ -2070,7 +2091,8 @@
           <a:p>
             <a:fld id="{2F3400DD-A5C3-45AD-B2C3-BE2E14B3332E}" type="datetimeFigureOut">
               <a:rPr lang="ru-RU" smtClean="0"/>
-              <a:t>08.01.2021</a:t>
+              <a:pPr/>
+              <a:t>15.01.2021</a:t>
             </a:fld>
             <a:endParaRPr lang="ru-RU"/>
           </a:p>
@@ -2081,7 +2103,7 @@
           <p:cNvPr id="3" name="Нижний колонтитул 2">
             <a:extLst>
               <a:ext uri="{FF2B5EF4-FFF2-40B4-BE49-F238E27FC236}">
-                <a16:creationId xmlns:a16="http://schemas.microsoft.com/office/drawing/2014/main" id="{BAD63140-C2D8-481C-ADB0-BAE42900993B}"/>
+                <a16:creationId xmlns="" xmlns:a16="http://schemas.microsoft.com/office/drawing/2014/main" id="{BAD63140-C2D8-481C-ADB0-BAE42900993B}"/>
               </a:ext>
             </a:extLst>
           </p:cNvPr>
@@ -2106,7 +2128,7 @@
           <p:cNvPr id="4" name="Номер слайда 3">
             <a:extLst>
               <a:ext uri="{FF2B5EF4-FFF2-40B4-BE49-F238E27FC236}">
-                <a16:creationId xmlns:a16="http://schemas.microsoft.com/office/drawing/2014/main" id="{BC9B6A32-E92F-4A59-9085-1A25799B1BA1}"/>
+                <a16:creationId xmlns="" xmlns:a16="http://schemas.microsoft.com/office/drawing/2014/main" id="{BC9B6A32-E92F-4A59-9085-1A25799B1BA1}"/>
               </a:ext>
             </a:extLst>
           </p:cNvPr>
@@ -2124,6 +2146,7 @@
           <a:p>
             <a:fld id="{21FB98B4-876B-413A-BE6A-59AFA497679F}" type="slidenum">
               <a:rPr lang="ru-RU" smtClean="0"/>
+              <a:pPr/>
               <a:t>‹#›</a:t>
             </a:fld>
             <a:endParaRPr lang="ru-RU"/>
@@ -2133,7 +2156,7 @@
     </p:spTree>
     <p:extLst>
       <p:ext uri="{BB962C8B-B14F-4D97-AF65-F5344CB8AC3E}">
-        <p14:creationId xmlns:p14="http://schemas.microsoft.com/office/powerpoint/2010/main" val="2768821914"/>
+        <p14:creationId xmlns="" xmlns:p14="http://schemas.microsoft.com/office/powerpoint/2010/main" val="2768821914"/>
       </p:ext>
     </p:extLst>
   </p:cSld>
@@ -2165,7 +2188,7 @@
           <p:cNvPr id="2" name="Заголовок 1">
             <a:extLst>
               <a:ext uri="{FF2B5EF4-FFF2-40B4-BE49-F238E27FC236}">
-                <a16:creationId xmlns:a16="http://schemas.microsoft.com/office/drawing/2014/main" id="{627089B2-C148-473E-B949-F2BA3E5709FE}"/>
+                <a16:creationId xmlns="" xmlns:a16="http://schemas.microsoft.com/office/drawing/2014/main" id="{627089B2-C148-473E-B949-F2BA3E5709FE}"/>
               </a:ext>
             </a:extLst>
           </p:cNvPr>
@@ -2202,7 +2225,7 @@
           <p:cNvPr id="3" name="Объект 2">
             <a:extLst>
               <a:ext uri="{FF2B5EF4-FFF2-40B4-BE49-F238E27FC236}">
-                <a16:creationId xmlns:a16="http://schemas.microsoft.com/office/drawing/2014/main" id="{9CF031F7-452C-46CC-848A-E138B4808597}"/>
+                <a16:creationId xmlns="" xmlns:a16="http://schemas.microsoft.com/office/drawing/2014/main" id="{9CF031F7-452C-46CC-848A-E138B4808597}"/>
               </a:ext>
             </a:extLst>
           </p:cNvPr>
@@ -2292,7 +2315,7 @@
           <p:cNvPr id="4" name="Текст 3">
             <a:extLst>
               <a:ext uri="{FF2B5EF4-FFF2-40B4-BE49-F238E27FC236}">
-                <a16:creationId xmlns:a16="http://schemas.microsoft.com/office/drawing/2014/main" id="{800335E4-D381-45A4-A724-E3A75AF63265}"/>
+                <a16:creationId xmlns="" xmlns:a16="http://schemas.microsoft.com/office/drawing/2014/main" id="{800335E4-D381-45A4-A724-E3A75AF63265}"/>
               </a:ext>
             </a:extLst>
           </p:cNvPr>
@@ -2363,7 +2386,7 @@
           <p:cNvPr id="5" name="Дата 4">
             <a:extLst>
               <a:ext uri="{FF2B5EF4-FFF2-40B4-BE49-F238E27FC236}">
-                <a16:creationId xmlns:a16="http://schemas.microsoft.com/office/drawing/2014/main" id="{96782711-97C5-4EE4-90FD-7AAA06F3762B}"/>
+                <a16:creationId xmlns="" xmlns:a16="http://schemas.microsoft.com/office/drawing/2014/main" id="{96782711-97C5-4EE4-90FD-7AAA06F3762B}"/>
               </a:ext>
             </a:extLst>
           </p:cNvPr>
@@ -2381,7 +2404,8 @@
           <a:p>
             <a:fld id="{2F3400DD-A5C3-45AD-B2C3-BE2E14B3332E}" type="datetimeFigureOut">
               <a:rPr lang="ru-RU" smtClean="0"/>
-              <a:t>08.01.2021</a:t>
+              <a:pPr/>
+              <a:t>15.01.2021</a:t>
             </a:fld>
             <a:endParaRPr lang="ru-RU"/>
           </a:p>
@@ -2392,7 +2416,7 @@
           <p:cNvPr id="6" name="Нижний колонтитул 5">
             <a:extLst>
               <a:ext uri="{FF2B5EF4-FFF2-40B4-BE49-F238E27FC236}">
-                <a16:creationId xmlns:a16="http://schemas.microsoft.com/office/drawing/2014/main" id="{D83F651A-7753-4EF8-8911-532F937B6DBB}"/>
+                <a16:creationId xmlns="" xmlns:a16="http://schemas.microsoft.com/office/drawing/2014/main" id="{D83F651A-7753-4EF8-8911-532F937B6DBB}"/>
               </a:ext>
             </a:extLst>
           </p:cNvPr>
@@ -2417,7 +2441,7 @@
           <p:cNvPr id="7" name="Номер слайда 6">
             <a:extLst>
               <a:ext uri="{FF2B5EF4-FFF2-40B4-BE49-F238E27FC236}">
-                <a16:creationId xmlns:a16="http://schemas.microsoft.com/office/drawing/2014/main" id="{F8AC7817-8268-4694-9DD7-6BC37375EA87}"/>
+                <a16:creationId xmlns="" xmlns:a16="http://schemas.microsoft.com/office/drawing/2014/main" id="{F8AC7817-8268-4694-9DD7-6BC37375EA87}"/>
               </a:ext>
             </a:extLst>
           </p:cNvPr>
@@ -2435,6 +2459,7 @@
           <a:p>
             <a:fld id="{21FB98B4-876B-413A-BE6A-59AFA497679F}" type="slidenum">
               <a:rPr lang="ru-RU" smtClean="0"/>
+              <a:pPr/>
               <a:t>‹#›</a:t>
             </a:fld>
             <a:endParaRPr lang="ru-RU"/>
@@ -2444,7 +2469,7 @@
     </p:spTree>
     <p:extLst>
       <p:ext uri="{BB962C8B-B14F-4D97-AF65-F5344CB8AC3E}">
-        <p14:creationId xmlns:p14="http://schemas.microsoft.com/office/powerpoint/2010/main" val="2127762892"/>
+        <p14:creationId xmlns="" xmlns:p14="http://schemas.microsoft.com/office/powerpoint/2010/main" val="2127762892"/>
       </p:ext>
     </p:extLst>
   </p:cSld>
@@ -2476,7 +2501,7 @@
           <p:cNvPr id="2" name="Заголовок 1">
             <a:extLst>
               <a:ext uri="{FF2B5EF4-FFF2-40B4-BE49-F238E27FC236}">
-                <a16:creationId xmlns:a16="http://schemas.microsoft.com/office/drawing/2014/main" id="{CDAE47C3-A3DD-4B8E-B121-718F8166D0B6}"/>
+                <a16:creationId xmlns="" xmlns:a16="http://schemas.microsoft.com/office/drawing/2014/main" id="{CDAE47C3-A3DD-4B8E-B121-718F8166D0B6}"/>
               </a:ext>
             </a:extLst>
           </p:cNvPr>
@@ -2513,7 +2538,7 @@
           <p:cNvPr id="3" name="Рисунок 2">
             <a:extLst>
               <a:ext uri="{FF2B5EF4-FFF2-40B4-BE49-F238E27FC236}">
-                <a16:creationId xmlns:a16="http://schemas.microsoft.com/office/drawing/2014/main" id="{C414E401-4E74-4EF6-9C10-73CB69376FAB}"/>
+                <a16:creationId xmlns="" xmlns:a16="http://schemas.microsoft.com/office/drawing/2014/main" id="{C414E401-4E74-4EF6-9C10-73CB69376FAB}"/>
               </a:ext>
             </a:extLst>
           </p:cNvPr>
@@ -2580,7 +2605,7 @@
           <p:cNvPr id="4" name="Текст 3">
             <a:extLst>
               <a:ext uri="{FF2B5EF4-FFF2-40B4-BE49-F238E27FC236}">
-                <a16:creationId xmlns:a16="http://schemas.microsoft.com/office/drawing/2014/main" id="{58CC73FA-5A7D-41C8-B845-DC3A399CCCDC}"/>
+                <a16:creationId xmlns="" xmlns:a16="http://schemas.microsoft.com/office/drawing/2014/main" id="{58CC73FA-5A7D-41C8-B845-DC3A399CCCDC}"/>
               </a:ext>
             </a:extLst>
           </p:cNvPr>
@@ -2651,7 +2676,7 @@
           <p:cNvPr id="5" name="Дата 4">
             <a:extLst>
               <a:ext uri="{FF2B5EF4-FFF2-40B4-BE49-F238E27FC236}">
-                <a16:creationId xmlns:a16="http://schemas.microsoft.com/office/drawing/2014/main" id="{7ADB099B-05E9-4617-9596-FE3A50FCCAC3}"/>
+                <a16:creationId xmlns="" xmlns:a16="http://schemas.microsoft.com/office/drawing/2014/main" id="{7ADB099B-05E9-4617-9596-FE3A50FCCAC3}"/>
               </a:ext>
             </a:extLst>
           </p:cNvPr>
@@ -2669,7 +2694,8 @@
           <a:p>
             <a:fld id="{2F3400DD-A5C3-45AD-B2C3-BE2E14B3332E}" type="datetimeFigureOut">
               <a:rPr lang="ru-RU" smtClean="0"/>
-              <a:t>08.01.2021</a:t>
+              <a:pPr/>
+              <a:t>15.01.2021</a:t>
             </a:fld>
             <a:endParaRPr lang="ru-RU"/>
           </a:p>
@@ -2680,7 +2706,7 @@
           <p:cNvPr id="6" name="Нижний колонтитул 5">
             <a:extLst>
               <a:ext uri="{FF2B5EF4-FFF2-40B4-BE49-F238E27FC236}">
-                <a16:creationId xmlns:a16="http://schemas.microsoft.com/office/drawing/2014/main" id="{0A213E7A-C48A-44FB-BB1C-8C1CA6CFFDD9}"/>
+                <a16:creationId xmlns="" xmlns:a16="http://schemas.microsoft.com/office/drawing/2014/main" id="{0A213E7A-C48A-44FB-BB1C-8C1CA6CFFDD9}"/>
               </a:ext>
             </a:extLst>
           </p:cNvPr>
@@ -2705,7 +2731,7 @@
           <p:cNvPr id="7" name="Номер слайда 6">
             <a:extLst>
               <a:ext uri="{FF2B5EF4-FFF2-40B4-BE49-F238E27FC236}">
-                <a16:creationId xmlns:a16="http://schemas.microsoft.com/office/drawing/2014/main" id="{2059430B-1B6E-42F1-85C2-E92288516358}"/>
+                <a16:creationId xmlns="" xmlns:a16="http://schemas.microsoft.com/office/drawing/2014/main" id="{2059430B-1B6E-42F1-85C2-E92288516358}"/>
               </a:ext>
             </a:extLst>
           </p:cNvPr>
@@ -2723,6 +2749,7 @@
           <a:p>
             <a:fld id="{21FB98B4-876B-413A-BE6A-59AFA497679F}" type="slidenum">
               <a:rPr lang="ru-RU" smtClean="0"/>
+              <a:pPr/>
               <a:t>‹#›</a:t>
             </a:fld>
             <a:endParaRPr lang="ru-RU"/>
@@ -2732,7 +2759,7 @@
     </p:spTree>
     <p:extLst>
       <p:ext uri="{BB962C8B-B14F-4D97-AF65-F5344CB8AC3E}">
-        <p14:creationId xmlns:p14="http://schemas.microsoft.com/office/powerpoint/2010/main" val="2154775504"/>
+        <p14:creationId xmlns="" xmlns:p14="http://schemas.microsoft.com/office/powerpoint/2010/main" val="2154775504"/>
       </p:ext>
     </p:extLst>
   </p:cSld>
@@ -2769,7 +2796,7 @@
           <p:cNvPr id="2" name="Заголовок 1">
             <a:extLst>
               <a:ext uri="{FF2B5EF4-FFF2-40B4-BE49-F238E27FC236}">
-                <a16:creationId xmlns:a16="http://schemas.microsoft.com/office/drawing/2014/main" id="{5F51BAE7-9CF7-4567-9DBC-2592FC12946A}"/>
+                <a16:creationId xmlns="" xmlns:a16="http://schemas.microsoft.com/office/drawing/2014/main" id="{5F51BAE7-9CF7-4567-9DBC-2592FC12946A}"/>
               </a:ext>
             </a:extLst>
           </p:cNvPr>
@@ -2807,7 +2834,7 @@
           <p:cNvPr id="3" name="Текст 2">
             <a:extLst>
               <a:ext uri="{FF2B5EF4-FFF2-40B4-BE49-F238E27FC236}">
-                <a16:creationId xmlns:a16="http://schemas.microsoft.com/office/drawing/2014/main" id="{57BB474B-E678-453E-9D0B-E0D8834E100D}"/>
+                <a16:creationId xmlns="" xmlns:a16="http://schemas.microsoft.com/office/drawing/2014/main" id="{57BB474B-E678-453E-9D0B-E0D8834E100D}"/>
               </a:ext>
             </a:extLst>
           </p:cNvPr>
@@ -2874,7 +2901,7 @@
           <p:cNvPr id="4" name="Дата 3">
             <a:extLst>
               <a:ext uri="{FF2B5EF4-FFF2-40B4-BE49-F238E27FC236}">
-                <a16:creationId xmlns:a16="http://schemas.microsoft.com/office/drawing/2014/main" id="{B78A4716-0078-4683-B73C-07F8BC338E46}"/>
+                <a16:creationId xmlns="" xmlns:a16="http://schemas.microsoft.com/office/drawing/2014/main" id="{B78A4716-0078-4683-B73C-07F8BC338E46}"/>
               </a:ext>
             </a:extLst>
           </p:cNvPr>
@@ -2910,7 +2937,8 @@
           <a:p>
             <a:fld id="{2F3400DD-A5C3-45AD-B2C3-BE2E14B3332E}" type="datetimeFigureOut">
               <a:rPr lang="ru-RU" smtClean="0"/>
-              <a:t>08.01.2021</a:t>
+              <a:pPr/>
+              <a:t>15.01.2021</a:t>
             </a:fld>
             <a:endParaRPr lang="ru-RU"/>
           </a:p>
@@ -2921,7 +2949,7 @@
           <p:cNvPr id="5" name="Нижний колонтитул 4">
             <a:extLst>
               <a:ext uri="{FF2B5EF4-FFF2-40B4-BE49-F238E27FC236}">
-                <a16:creationId xmlns:a16="http://schemas.microsoft.com/office/drawing/2014/main" id="{B8D5CE3E-D8BD-4023-A00B-E5B684064DFB}"/>
+                <a16:creationId xmlns="" xmlns:a16="http://schemas.microsoft.com/office/drawing/2014/main" id="{B8D5CE3E-D8BD-4023-A00B-E5B684064DFB}"/>
               </a:ext>
             </a:extLst>
           </p:cNvPr>
@@ -2964,7 +2992,7 @@
           <p:cNvPr id="6" name="Номер слайда 5">
             <a:extLst>
               <a:ext uri="{FF2B5EF4-FFF2-40B4-BE49-F238E27FC236}">
-                <a16:creationId xmlns:a16="http://schemas.microsoft.com/office/drawing/2014/main" id="{AC657E5A-C068-47E8-932D-95CF55A4964D}"/>
+                <a16:creationId xmlns="" xmlns:a16="http://schemas.microsoft.com/office/drawing/2014/main" id="{AC657E5A-C068-47E8-932D-95CF55A4964D}"/>
               </a:ext>
             </a:extLst>
           </p:cNvPr>
@@ -3000,6 +3028,7 @@
           <a:p>
             <a:fld id="{21FB98B4-876B-413A-BE6A-59AFA497679F}" type="slidenum">
               <a:rPr lang="ru-RU" smtClean="0"/>
+              <a:pPr/>
               <a:t>‹#›</a:t>
             </a:fld>
             <a:endParaRPr lang="ru-RU"/>
@@ -3009,7 +3038,7 @@
     </p:spTree>
     <p:extLst>
       <p:ext uri="{BB962C8B-B14F-4D97-AF65-F5344CB8AC3E}">
-        <p14:creationId xmlns:p14="http://schemas.microsoft.com/office/powerpoint/2010/main" val="2243926933"/>
+        <p14:creationId xmlns="" xmlns:p14="http://schemas.microsoft.com/office/powerpoint/2010/main" val="2243926933"/>
       </p:ext>
     </p:extLst>
   </p:cSld>
@@ -3340,10 +3369,10 @@
           <p:cNvPr id="9" name="Rectangle 8">
             <a:extLst>
               <a:ext uri="{FF2B5EF4-FFF2-40B4-BE49-F238E27FC236}">
-                <a16:creationId xmlns:a16="http://schemas.microsoft.com/office/drawing/2014/main" id="{0671A8AE-40A1-4631-A6B8-581AFF065482}"/>
+                <a16:creationId xmlns="" xmlns:a16="http://schemas.microsoft.com/office/drawing/2014/main" id="{0671A8AE-40A1-4631-A6B8-581AFF065482}"/>
               </a:ext>
               <a:ext uri="{C183D7F6-B498-43B3-948B-1728B52AA6E4}">
-                <adec:decorative xmlns:adec="http://schemas.microsoft.com/office/drawing/2017/decorative" val="1"/>
+                <adec:decorative xmlns="" xmlns:adec="http://schemas.microsoft.com/office/drawing/2017/decorative" val="1"/>
               </a:ext>
             </a:extLst>
           </p:cNvPr>
@@ -3353,7 +3382,7 @@
           <p:nvPr>
             <p:extLst>
               <p:ext uri="{386F3935-93C4-4BCD-93E2-E3B085C9AB24}">
-                <p16:designElem xmlns:p16="http://schemas.microsoft.com/office/powerpoint/2015/main" val="1"/>
+                <p16:designElem xmlns="" xmlns:p16="http://schemas.microsoft.com/office/powerpoint/2015/main" val="1"/>
               </p:ext>
             </p:extLst>
           </p:nvPr>
@@ -3400,7 +3429,7 @@
           <p:cNvPr id="5" name="Picture 4">
             <a:extLst>
               <a:ext uri="{FF2B5EF4-FFF2-40B4-BE49-F238E27FC236}">
-                <a16:creationId xmlns:a16="http://schemas.microsoft.com/office/drawing/2014/main" id="{68FE9836-4C8D-4D11-998F-27D0AA74B74E}"/>
+                <a16:creationId xmlns="" xmlns:a16="http://schemas.microsoft.com/office/drawing/2014/main" id="{68FE9836-4C8D-4D11-998F-27D0AA74B74E}"/>
               </a:ext>
             </a:extLst>
           </p:cNvPr>
@@ -3410,7 +3439,7 @@
           <p:nvPr/>
         </p:nvPicPr>
         <p:blipFill rotWithShape="1">
-          <a:blip r:embed="rId2"/>
+          <a:blip r:embed="rId2" cstate="print"/>
           <a:srcRect r="23843" b="-1"/>
           <a:stretch/>
         </p:blipFill>
@@ -3429,10 +3458,10 @@
           <p:cNvPr id="11" name="Rectangle 10">
             <a:extLst>
               <a:ext uri="{FF2B5EF4-FFF2-40B4-BE49-F238E27FC236}">
-                <a16:creationId xmlns:a16="http://schemas.microsoft.com/office/drawing/2014/main" id="{AB58EF07-17C2-48CF-ABB0-EEF1F17CB8F0}"/>
+                <a16:creationId xmlns="" xmlns:a16="http://schemas.microsoft.com/office/drawing/2014/main" id="{AB58EF07-17C2-48CF-ABB0-EEF1F17CB8F0}"/>
               </a:ext>
               <a:ext uri="{C183D7F6-B498-43B3-948B-1728B52AA6E4}">
-                <adec:decorative xmlns:adec="http://schemas.microsoft.com/office/drawing/2017/decorative" val="1"/>
+                <adec:decorative xmlns="" xmlns:adec="http://schemas.microsoft.com/office/drawing/2017/decorative" val="1"/>
               </a:ext>
             </a:extLst>
           </p:cNvPr>
@@ -3442,7 +3471,7 @@
           <p:nvPr>
             <p:extLst>
               <p:ext uri="{386F3935-93C4-4BCD-93E2-E3B085C9AB24}">
-                <p16:designElem xmlns:p16="http://schemas.microsoft.com/office/powerpoint/2015/main" val="1"/>
+                <p16:designElem xmlns="" xmlns:p16="http://schemas.microsoft.com/office/powerpoint/2015/main" val="1"/>
               </p:ext>
             </p:extLst>
           </p:nvPr>
@@ -3510,7 +3539,7 @@
           <p:cNvPr id="2" name="Заголовок 1">
             <a:extLst>
               <a:ext uri="{FF2B5EF4-FFF2-40B4-BE49-F238E27FC236}">
-                <a16:creationId xmlns:a16="http://schemas.microsoft.com/office/drawing/2014/main" id="{4E85EFB5-9ACD-44F7-A250-93F7BFD96EB0}"/>
+                <a16:creationId xmlns="" xmlns:a16="http://schemas.microsoft.com/office/drawing/2014/main" id="{4E85EFB5-9ACD-44F7-A250-93F7BFD96EB0}"/>
               </a:ext>
             </a:extLst>
           </p:cNvPr>
@@ -3523,8 +3552,8 @@
         </p:nvSpPr>
         <p:spPr>
           <a:xfrm>
-            <a:off x="477981" y="1122363"/>
-            <a:ext cx="4023360" cy="3204134"/>
+            <a:off x="477980" y="1122362"/>
+            <a:ext cx="4573413" cy="1949311"/>
           </a:xfrm>
           <a:noFill/>
           <a:ln>
@@ -3577,7 +3606,7 @@
           <p:cNvPr id="3" name="Подзаголовок 2">
             <a:extLst>
               <a:ext uri="{FF2B5EF4-FFF2-40B4-BE49-F238E27FC236}">
-                <a16:creationId xmlns:a16="http://schemas.microsoft.com/office/drawing/2014/main" id="{3800723D-A3EE-477C-9FEE-8F170F1238D4}"/>
+                <a16:creationId xmlns="" xmlns:a16="http://schemas.microsoft.com/office/drawing/2014/main" id="{3800723D-A3EE-477C-9FEE-8F170F1238D4}"/>
               </a:ext>
             </a:extLst>
           </p:cNvPr>
@@ -3662,10 +3691,10 @@
           <p:cNvPr id="13" name="Rectangle 12">
             <a:extLst>
               <a:ext uri="{FF2B5EF4-FFF2-40B4-BE49-F238E27FC236}">
-                <a16:creationId xmlns:a16="http://schemas.microsoft.com/office/drawing/2014/main" id="{AF2F604E-43BE-4DC3-B983-E071523364F8}"/>
+                <a16:creationId xmlns="" xmlns:a16="http://schemas.microsoft.com/office/drawing/2014/main" id="{AF2F604E-43BE-4DC3-B983-E071523364F8}"/>
               </a:ext>
               <a:ext uri="{C183D7F6-B498-43B3-948B-1728B52AA6E4}">
-                <adec:decorative xmlns:adec="http://schemas.microsoft.com/office/drawing/2017/decorative" val="1"/>
+                <adec:decorative xmlns="" xmlns:adec="http://schemas.microsoft.com/office/drawing/2017/decorative" val="1"/>
               </a:ext>
             </a:extLst>
           </p:cNvPr>
@@ -3675,7 +3704,7 @@
           <p:nvPr>
             <p:extLst>
               <p:ext uri="{386F3935-93C4-4BCD-93E2-E3B085C9AB24}">
-                <p16:designElem xmlns:p16="http://schemas.microsoft.com/office/powerpoint/2015/main" val="1"/>
+                <p16:designElem xmlns="" xmlns:p16="http://schemas.microsoft.com/office/powerpoint/2015/main" val="1"/>
               </p:ext>
             </p:extLst>
           </p:nvPr>
@@ -3730,10 +3759,10 @@
           <p:cNvPr id="15" name="Rectangle 14">
             <a:extLst>
               <a:ext uri="{FF2B5EF4-FFF2-40B4-BE49-F238E27FC236}">
-                <a16:creationId xmlns:a16="http://schemas.microsoft.com/office/drawing/2014/main" id="{08C9B587-E65E-4B52-B37C-ABEBB6E87928}"/>
+                <a16:creationId xmlns="" xmlns:a16="http://schemas.microsoft.com/office/drawing/2014/main" id="{08C9B587-E65E-4B52-B37C-ABEBB6E87928}"/>
               </a:ext>
               <a:ext uri="{C183D7F6-B498-43B3-948B-1728B52AA6E4}">
-                <adec:decorative xmlns:adec="http://schemas.microsoft.com/office/drawing/2017/decorative" val="1"/>
+                <adec:decorative xmlns="" xmlns:adec="http://schemas.microsoft.com/office/drawing/2017/decorative" val="1"/>
               </a:ext>
             </a:extLst>
           </p:cNvPr>
@@ -3743,7 +3772,7 @@
           <p:nvPr>
             <p:extLst>
               <p:ext uri="{386F3935-93C4-4BCD-93E2-E3B085C9AB24}">
-                <p16:designElem xmlns:p16="http://schemas.microsoft.com/office/powerpoint/2015/main" val="1"/>
+                <p16:designElem xmlns="" xmlns:p16="http://schemas.microsoft.com/office/powerpoint/2015/main" val="1"/>
               </p:ext>
             </p:extLst>
           </p:nvPr>
@@ -3821,7 +3850,7 @@
     </p:spTree>
     <p:extLst>
       <p:ext uri="{BB962C8B-B14F-4D97-AF65-F5344CB8AC3E}">
-        <p14:creationId xmlns:p14="http://schemas.microsoft.com/office/powerpoint/2010/main" val="2525666049"/>
+        <p14:creationId xmlns="" xmlns:p14="http://schemas.microsoft.com/office/powerpoint/2010/main" val="2525666049"/>
       </p:ext>
     </p:extLst>
   </p:cSld>
@@ -3831,13 +3860,13 @@
 </p:sld>
 </file>
 
-<file path=ppt/slides/slide2.xml><?xml version="1.0" encoding="utf-8"?>
+<file path=ppt/slides/slide10.xml><?xml version="1.0" encoding="utf-8"?>
 <p:sld xmlns:a="http://schemas.openxmlformats.org/drawingml/2006/main" xmlns:r="http://schemas.openxmlformats.org/officeDocument/2006/relationships" xmlns:p="http://schemas.openxmlformats.org/presentationml/2006/main">
   <p:cSld>
     <p:bg>
       <p:bgPr>
         <a:blipFill dpi="0" rotWithShape="1">
-          <a:blip r:embed="rId2">
+          <a:blip r:embed="rId2" cstate="print">
             <a:lum/>
           </a:blip>
           <a:srcRect/>
@@ -3867,7 +3896,7 @@
           <p:cNvPr id="2" name="Заголовок 1">
             <a:extLst>
               <a:ext uri="{FF2B5EF4-FFF2-40B4-BE49-F238E27FC236}">
-                <a16:creationId xmlns:a16="http://schemas.microsoft.com/office/drawing/2014/main" id="{43853E19-DE30-4513-AB10-8FC35E4399DB}"/>
+                <a16:creationId xmlns="" xmlns:a16="http://schemas.microsoft.com/office/drawing/2014/main" id="{32E1B4D4-B574-4270-8D7F-AECCC683D88A}"/>
               </a:ext>
             </a:extLst>
           </p:cNvPr>
@@ -3880,8 +3909,8 @@
         </p:nvSpPr>
         <p:spPr>
           <a:xfrm>
-            <a:off x="831850" y="209863"/>
-            <a:ext cx="10515600" cy="899410"/>
+            <a:off x="6186364" y="245358"/>
+            <a:ext cx="6365479" cy="1325563"/>
           </a:xfrm>
           <a:noFill/>
           <a:ln>
@@ -3910,306 +3939,40 @@
           <a:p>
             <a:pPr algn="ctr"/>
             <a:r>
-              <a:rPr lang="ru-RU" dirty="0"/>
-              <a:t>История игры</a:t>
-            </a:r>
-          </a:p>
-        </p:txBody>
-      </p:sp>
-      <p:sp>
-        <p:nvSpPr>
-          <p:cNvPr id="3" name="Текст 2">
-            <a:extLst>
-              <a:ext uri="{FF2B5EF4-FFF2-40B4-BE49-F238E27FC236}">
-                <a16:creationId xmlns:a16="http://schemas.microsoft.com/office/drawing/2014/main" id="{4B2E0306-CDD1-4B33-A446-4A2D17BF45A9}"/>
-              </a:ext>
-            </a:extLst>
-          </p:cNvPr>
-          <p:cNvSpPr>
-            <a:spLocks noGrp="1"/>
-          </p:cNvSpPr>
-          <p:nvPr>
-            <p:ph type="body" idx="1"/>
-          </p:nvPr>
-        </p:nvSpPr>
+              <a:rPr lang="ru-RU" sz="5400" dirty="0" smtClean="0"/>
+              <a:t>Историческая справочка</a:t>
+            </a:r>
+            <a:endParaRPr lang="ru-RU" sz="5400" dirty="0"/>
+          </a:p>
+        </p:txBody>
+      </p:sp>
+      <p:pic>
+        <p:nvPicPr>
+          <p:cNvPr id="5" name="Содержимое 4" descr="историческая справка.png"/>
+          <p:cNvPicPr>
+            <a:picLocks noGrp="1" noChangeAspect="1"/>
+          </p:cNvPicPr>
+          <p:nvPr>
+            <p:ph idx="1"/>
+          </p:nvPr>
+        </p:nvPicPr>
+        <p:blipFill>
+          <a:blip r:embed="rId3" cstate="print"/>
+          <a:stretch>
+            <a:fillRect/>
+          </a:stretch>
+        </p:blipFill>
         <p:spPr>
           <a:xfrm>
-            <a:off x="831850" y="1109273"/>
-            <a:ext cx="10515600" cy="5013231"/>
+            <a:off x="502920" y="941832"/>
+            <a:ext cx="6592824" cy="5554837"/>
           </a:xfrm>
-          <a:solidFill>
-            <a:schemeClr val="accent1">
-              <a:alpha val="50000"/>
-            </a:schemeClr>
-          </a:solidFill>
-          <a:ln>
-            <a:noFill/>
-          </a:ln>
         </p:spPr>
-        <p:style>
-          <a:lnRef idx="0">
-            <a:scrgbClr r="0" g="0" b="0"/>
-          </a:lnRef>
-          <a:fillRef idx="0">
-            <a:scrgbClr r="0" g="0" b="0"/>
-          </a:fillRef>
-          <a:effectRef idx="0">
-            <a:scrgbClr r="0" g="0" b="0"/>
-          </a:effectRef>
-          <a:fontRef idx="minor">
-            <a:schemeClr val="lt1"/>
-          </a:fontRef>
-        </p:style>
-        <p:txBody>
-          <a:bodyPr>
-            <a:noAutofit/>
-          </a:bodyPr>
-          <a:lstStyle/>
-          <a:p>
-            <a:r>
-              <a:rPr lang="ru-RU" sz="1600" b="1" dirty="0">
-                <a:ln w="10160">
-                  <a:solidFill>
-                    <a:schemeClr val="accent5"/>
-                  </a:solidFill>
-                  <a:prstDash val="solid"/>
-                </a:ln>
-                <a:solidFill>
-                  <a:srgbClr val="FFFFFF"/>
-                </a:solidFill>
-                <a:effectLst>
-                  <a:outerShdw blurRad="38100" dist="22860" dir="5400000" algn="tl" rotWithShape="0">
-                    <a:srgbClr val="000000">
-                      <a:alpha val="30000"/>
-                    </a:srgbClr>
-                  </a:outerShdw>
-                </a:effectLst>
-              </a:rPr>
-              <a:t>В 1984 году, 35 лет назад, сотрудник вычислительного центра Академии наук СССР Алексей Пажитнов разработал компьютерную игру-</a:t>
-            </a:r>
-            <a:r>
-              <a:rPr lang="ru-RU" sz="1600" b="1" dirty="0" err="1">
-                <a:ln w="10160">
-                  <a:solidFill>
-                    <a:schemeClr val="accent5"/>
-                  </a:solidFill>
-                  <a:prstDash val="solid"/>
-                </a:ln>
-                <a:solidFill>
-                  <a:srgbClr val="FFFFFF"/>
-                </a:solidFill>
-                <a:effectLst>
-                  <a:outerShdw blurRad="38100" dist="22860" dir="5400000" algn="tl" rotWithShape="0">
-                    <a:srgbClr val="000000">
-                      <a:alpha val="30000"/>
-                    </a:srgbClr>
-                  </a:outerShdw>
-                </a:effectLst>
-              </a:rPr>
-              <a:t>пазл</a:t>
-            </a:r>
-            <a:r>
-              <a:rPr lang="ru-RU" sz="1600" b="1" dirty="0">
-                <a:ln w="10160">
-                  <a:solidFill>
-                    <a:schemeClr val="accent5"/>
-                  </a:solidFill>
-                  <a:prstDash val="solid"/>
-                </a:ln>
-                <a:solidFill>
-                  <a:srgbClr val="FFFFFF"/>
-                </a:solidFill>
-                <a:effectLst>
-                  <a:outerShdw blurRad="38100" dist="22860" dir="5400000" algn="tl" rotWithShape="0">
-                    <a:srgbClr val="000000">
-                      <a:alpha val="30000"/>
-                    </a:srgbClr>
-                  </a:outerShdw>
-                </a:effectLst>
-              </a:rPr>
-              <a:t> "Тетрис".</a:t>
-            </a:r>
-          </a:p>
-          <a:p>
-            <a:r>
-              <a:rPr lang="ru-RU" sz="1600" b="1" dirty="0">
-                <a:ln w="10160">
-                  <a:solidFill>
-                    <a:schemeClr val="accent5"/>
-                  </a:solidFill>
-                  <a:prstDash val="solid"/>
-                </a:ln>
-                <a:solidFill>
-                  <a:srgbClr val="FFFFFF"/>
-                </a:solidFill>
-                <a:effectLst>
-                  <a:outerShdw blurRad="38100" dist="22860" dir="5400000" algn="tl" rotWithShape="0">
-                    <a:srgbClr val="000000">
-                      <a:alpha val="30000"/>
-                    </a:srgbClr>
-                  </a:outerShdw>
-                </a:effectLst>
-              </a:rPr>
-              <a:t>Пажитнов не занимался специально разработкой "Тетриса". Простой инженер из вычислительного центра Академии наук СССР тестировал мощность нового компьютера — "Электроника 60". Этот тест проводился с помощью специальной программы, и на дисплее появлялись текстовые символы, которые заполняли все свободное место. "Отработанные" строки Алексей удалял. И вот тогда-то инженеру и пришла мысль об головоломке.</a:t>
-            </a:r>
-          </a:p>
-          <a:p>
-            <a:r>
-              <a:rPr lang="ru-RU" sz="1600" b="1" dirty="0">
-                <a:ln w="10160">
-                  <a:solidFill>
-                    <a:schemeClr val="accent5"/>
-                  </a:solidFill>
-                  <a:prstDash val="solid"/>
-                </a:ln>
-                <a:solidFill>
-                  <a:srgbClr val="FFFFFF"/>
-                </a:solidFill>
-                <a:effectLst>
-                  <a:outerShdw blurRad="38100" dist="22860" dir="5400000" algn="tl" rotWithShape="0">
-                    <a:srgbClr val="000000">
-                      <a:alpha val="30000"/>
-                    </a:srgbClr>
-                  </a:outerShdw>
-                </a:effectLst>
-              </a:rPr>
-              <a:t>Алексею в то время было всего 29 лет, и он, конечно же, увлекался головоломками </a:t>
-            </a:r>
-            <a:r>
-              <a:rPr lang="ru-RU" sz="1600" b="1" dirty="0" err="1">
-                <a:ln w="10160">
-                  <a:solidFill>
-                    <a:schemeClr val="accent5"/>
-                  </a:solidFill>
-                  <a:prstDash val="solid"/>
-                </a:ln>
-                <a:solidFill>
-                  <a:srgbClr val="FFFFFF"/>
-                </a:solidFill>
-                <a:effectLst>
-                  <a:outerShdw blurRad="38100" dist="22860" dir="5400000" algn="tl" rotWithShape="0">
-                    <a:srgbClr val="000000">
-                      <a:alpha val="30000"/>
-                    </a:srgbClr>
-                  </a:outerShdw>
-                </a:effectLst>
-              </a:rPr>
-              <a:t>Голомба</a:t>
-            </a:r>
-            <a:r>
-              <a:rPr lang="ru-RU" sz="1600" b="1" dirty="0">
-                <a:ln w="10160">
-                  <a:solidFill>
-                    <a:schemeClr val="accent5"/>
-                  </a:solidFill>
-                  <a:prstDash val="solid"/>
-                </a:ln>
-                <a:solidFill>
-                  <a:srgbClr val="FFFFFF"/>
-                </a:solidFill>
-                <a:effectLst>
-                  <a:outerShdw blurRad="38100" dist="22860" dir="5400000" algn="tl" rotWithShape="0">
-                    <a:srgbClr val="000000">
-                      <a:alpha val="30000"/>
-                    </a:srgbClr>
-                  </a:outerShdw>
-                </a:effectLst>
-              </a:rPr>
-              <a:t>. Он захотел создать нечто подобное в компьютерном варианте. Правда, элементы в головоломке состояли из 5 кубов, и это было большим недостатком игры. Потому что компьютеры в то время не справлялись с обработкой информации. И тогда Алексей решил ограничиться в своей игре не пятью элементами, как в пентамино (в переводе с греческого "пента" — пять), а четырьмя (тетра). Отсюда и название игры — "Тетрис".</a:t>
-            </a:r>
-          </a:p>
-          <a:p>
-            <a:r>
-              <a:rPr lang="ru-RU" sz="1600" b="1" dirty="0">
-                <a:ln w="10160">
-                  <a:solidFill>
-                    <a:schemeClr val="accent5"/>
-                  </a:solidFill>
-                  <a:prstDash val="solid"/>
-                </a:ln>
-                <a:solidFill>
-                  <a:srgbClr val="FFFFFF"/>
-                </a:solidFill>
-                <a:effectLst>
-                  <a:outerShdw blurRad="38100" dist="22860" dir="5400000" algn="tl" rotWithShape="0">
-                    <a:srgbClr val="000000">
-                      <a:alpha val="30000"/>
-                    </a:srgbClr>
-                  </a:outerShdw>
-                </a:effectLst>
-              </a:rPr>
-              <a:t>Первыми с игрой познакомились коллеги Пажитнова, и за пределы лаборатории она пока не выходила. Но затем по просьбе Пажитнова 16-летний вундеркинд Вадим Герасимов перенес головоломку на IBM PC, то есть американские персональные компьютеры. Потом партнеры стали копировать игру на дискеты и распространять уже за пределами НИИ. Так "Тетрис" стала известной в СССР игрой, в нее играли теперь и дети, и взрослые. "Тетрисом" заинтересовались и в США, осознав, что эта головоломка может быть источником получения большой прибыли. Однако самому автору игры Алексею Пажитнову эту прибыль довелось увидеть лишь через 10 лет. Именно столько времени ему пришлось бороться за авторские права на</a:t>
-            </a:r>
-          </a:p>
-          <a:p>
-            <a:r>
-              <a:rPr lang="ru-RU" sz="1600" b="1" dirty="0">
-                <a:ln w="10160">
-                  <a:solidFill>
-                    <a:schemeClr val="accent5"/>
-                  </a:solidFill>
-                  <a:prstDash val="solid"/>
-                </a:ln>
-                <a:solidFill>
-                  <a:srgbClr val="FFFFFF"/>
-                </a:solidFill>
-                <a:effectLst>
-                  <a:outerShdw blurRad="38100" dist="22860" dir="5400000" algn="tl" rotWithShape="0">
-                    <a:srgbClr val="000000">
-                      <a:alpha val="30000"/>
-                    </a:srgbClr>
-                  </a:outerShdw>
-                </a:effectLst>
-              </a:rPr>
-              <a:t>разработанную им игру.</a:t>
-            </a:r>
-          </a:p>
-          <a:p>
-            <a:endParaRPr lang="ru-RU" sz="1600" b="1" dirty="0">
-              <a:ln w="10160">
-                <a:solidFill>
-                  <a:schemeClr val="accent5"/>
-                </a:solidFill>
-                <a:prstDash val="solid"/>
-              </a:ln>
-              <a:solidFill>
-                <a:srgbClr val="FFFFFF"/>
-              </a:solidFill>
-              <a:effectLst>
-                <a:outerShdw blurRad="38100" dist="22860" dir="5400000" algn="tl" rotWithShape="0">
-                  <a:srgbClr val="000000">
-                    <a:alpha val="30000"/>
-                  </a:srgbClr>
-                </a:outerShdw>
-              </a:effectLst>
-            </a:endParaRPr>
-          </a:p>
-          <a:p>
-            <a:endParaRPr lang="ru-RU" sz="1600" b="1" dirty="0">
-              <a:ln w="10160">
-                <a:solidFill>
-                  <a:schemeClr val="accent5"/>
-                </a:solidFill>
-                <a:prstDash val="solid"/>
-              </a:ln>
-              <a:solidFill>
-                <a:srgbClr val="FFFFFF"/>
-              </a:solidFill>
-              <a:effectLst>
-                <a:outerShdw blurRad="38100" dist="22860" dir="5400000" algn="tl" rotWithShape="0">
-                  <a:srgbClr val="000000">
-                    <a:alpha val="30000"/>
-                  </a:srgbClr>
-                </a:outerShdw>
-              </a:effectLst>
-            </a:endParaRPr>
-          </a:p>
-        </p:txBody>
-      </p:sp>
+      </p:pic>
     </p:spTree>
     <p:extLst>
       <p:ext uri="{BB962C8B-B14F-4D97-AF65-F5344CB8AC3E}">
-        <p14:creationId xmlns:p14="http://schemas.microsoft.com/office/powerpoint/2010/main" val="1149827381"/>
+        <p14:creationId xmlns="" xmlns:p14="http://schemas.microsoft.com/office/powerpoint/2010/main" val="4154382885"/>
       </p:ext>
     </p:extLst>
   </p:cSld>
@@ -4219,13 +3982,13 @@
 </p:sld>
 </file>
 
-<file path=ppt/slides/slide3.xml><?xml version="1.0" encoding="utf-8"?>
+<file path=ppt/slides/slide11.xml><?xml version="1.0" encoding="utf-8"?>
 <p:sld xmlns:a="http://schemas.openxmlformats.org/drawingml/2006/main" xmlns:r="http://schemas.openxmlformats.org/officeDocument/2006/relationships" xmlns:p="http://schemas.openxmlformats.org/presentationml/2006/main">
   <p:cSld>
     <p:bg>
       <p:bgPr>
         <a:blipFill dpi="0" rotWithShape="1">
-          <a:blip r:embed="rId2">
+          <a:blip r:embed="rId2" cstate="print">
             <a:lum/>
           </a:blip>
           <a:srcRect/>
@@ -4255,7 +4018,7 @@
           <p:cNvPr id="2" name="Заголовок 1">
             <a:extLst>
               <a:ext uri="{FF2B5EF4-FFF2-40B4-BE49-F238E27FC236}">
-                <a16:creationId xmlns:a16="http://schemas.microsoft.com/office/drawing/2014/main" id="{32E1B4D4-B574-4270-8D7F-AECCC683D88A}"/>
+                <a16:creationId xmlns="" xmlns:a16="http://schemas.microsoft.com/office/drawing/2014/main" id="{32E1B4D4-B574-4270-8D7F-AECCC683D88A}"/>
               </a:ext>
             </a:extLst>
           </p:cNvPr>
@@ -4306,7 +4069,7 @@
           <p:cNvPr id="3" name="Объект 2">
             <a:extLst>
               <a:ext uri="{FF2B5EF4-FFF2-40B4-BE49-F238E27FC236}">
-                <a16:creationId xmlns:a16="http://schemas.microsoft.com/office/drawing/2014/main" id="{F0829CF3-BE19-47F9-824B-C61BFC6B3CB7}"/>
+                <a16:creationId xmlns="" xmlns:a16="http://schemas.microsoft.com/office/drawing/2014/main" id="{F0829CF3-BE19-47F9-824B-C61BFC6B3CB7}"/>
               </a:ext>
             </a:extLst>
           </p:cNvPr>
@@ -4320,7 +4083,7 @@
         <p:spPr>
           <a:xfrm>
             <a:off x="838200" y="1825625"/>
-            <a:ext cx="4468318" cy="4351338"/>
+            <a:ext cx="4976674" cy="4351338"/>
           </a:xfrm>
           <a:solidFill>
             <a:schemeClr val="accent1">
@@ -4352,13 +4115,30 @@
           <a:lstStyle/>
           <a:p>
             <a:r>
-              <a:rPr lang="ru-RU" sz="3600" dirty="0" err="1"/>
+              <a:rPr lang="ru-RU" sz="2400" dirty="0" err="1"/>
               <a:t>Геймплэй</a:t>
             </a:r>
             <a:r>
-              <a:rPr lang="ru-RU" sz="3600" dirty="0"/>
-              <a:t> практически ничем не отличается от оригинального.</a:t>
-            </a:r>
+              <a:rPr lang="ru-RU" sz="2400" dirty="0"/>
+              <a:t> практически ничем не отличается от оригинального</a:t>
+            </a:r>
+            <a:r>
+              <a:rPr lang="ru-RU" sz="2400" dirty="0" smtClean="0"/>
+              <a:t>.</a:t>
+            </a:r>
+          </a:p>
+          <a:p>
+            <a:r>
+              <a:rPr lang="ru-RU" sz="2400" dirty="0" smtClean="0"/>
+              <a:t>Фигурки падают с фиксированной скоростью. Их нужно собирать в ровные линии для получения очков.</a:t>
+            </a:r>
+          </a:p>
+          <a:p>
+            <a:r>
+              <a:rPr lang="ru-RU" sz="2400" dirty="0" smtClean="0"/>
+              <a:t>Чем больше очков – тем лучше!</a:t>
+            </a:r>
+            <a:endParaRPr lang="ru-RU" sz="2400" dirty="0"/>
           </a:p>
         </p:txBody>
       </p:sp>
@@ -4367,7 +4147,7 @@
           <p:cNvPr id="5" name="Рисунок 4">
             <a:extLst>
               <a:ext uri="{FF2B5EF4-FFF2-40B4-BE49-F238E27FC236}">
-                <a16:creationId xmlns:a16="http://schemas.microsoft.com/office/drawing/2014/main" id="{BD2F958C-3390-482F-920E-F7076DE929BA}"/>
+                <a16:creationId xmlns="" xmlns:a16="http://schemas.microsoft.com/office/drawing/2014/main" id="{BD2F958C-3390-482F-920E-F7076DE929BA}"/>
               </a:ext>
             </a:extLst>
           </p:cNvPr>
@@ -4377,10 +4157,10 @@
           <p:nvPr/>
         </p:nvPicPr>
         <p:blipFill>
-          <a:blip r:embed="rId3">
+          <a:blip r:embed="rId3" cstate="print">
             <a:extLst>
               <a:ext uri="{28A0092B-C50C-407E-A947-70E740481C1C}">
-                <a14:useLocalDpi xmlns:a14="http://schemas.microsoft.com/office/drawing/2010/main" val="0"/>
+                <a14:useLocalDpi xmlns="" xmlns:a14="http://schemas.microsoft.com/office/drawing/2010/main" val="0"/>
               </a:ext>
             </a:extLst>
           </a:blip>
@@ -4401,7 +4181,7 @@
     </p:spTree>
     <p:extLst>
       <p:ext uri="{BB962C8B-B14F-4D97-AF65-F5344CB8AC3E}">
-        <p14:creationId xmlns:p14="http://schemas.microsoft.com/office/powerpoint/2010/main" val="4154382885"/>
+        <p14:creationId xmlns="" xmlns:p14="http://schemas.microsoft.com/office/powerpoint/2010/main" val="4154382885"/>
       </p:ext>
     </p:extLst>
   </p:cSld>
@@ -4411,13 +4191,119 @@
 </p:sld>
 </file>
 
-<file path=ppt/slides/slide4.xml><?xml version="1.0" encoding="utf-8"?>
+<file path=ppt/slides/slide12.xml><?xml version="1.0" encoding="utf-8"?>
 <p:sld xmlns:a="http://schemas.openxmlformats.org/drawingml/2006/main" xmlns:r="http://schemas.openxmlformats.org/officeDocument/2006/relationships" xmlns:p="http://schemas.openxmlformats.org/presentationml/2006/main">
   <p:cSld>
     <p:bg>
       <p:bgPr>
         <a:blipFill dpi="0" rotWithShape="1">
-          <a:blip r:embed="rId2">
+          <a:blip r:embed="rId2" cstate="print">
+            <a:lum/>
+          </a:blip>
+          <a:srcRect/>
+          <a:stretch>
+            <a:fillRect t="-17000" b="-17000"/>
+          </a:stretch>
+        </a:blipFill>
+        <a:effectLst/>
+      </p:bgPr>
+    </p:bg>
+    <p:spTree>
+      <p:nvGrpSpPr>
+        <p:cNvPr id="1" name=""/>
+        <p:cNvGrpSpPr/>
+        <p:nvPr/>
+      </p:nvGrpSpPr>
+      <p:grpSpPr>
+        <a:xfrm>
+          <a:off x="0" y="0"/>
+          <a:ext cx="0" cy="0"/>
+          <a:chOff x="0" y="0"/>
+          <a:chExt cx="0" cy="0"/>
+        </a:xfrm>
+      </p:grpSpPr>
+      <p:sp>
+        <p:nvSpPr>
+          <p:cNvPr id="2" name="Заголовок 1">
+            <a:extLst>
+              <a:ext uri="{FF2B5EF4-FFF2-40B4-BE49-F238E27FC236}">
+                <a16:creationId xmlns="" xmlns:a16="http://schemas.microsoft.com/office/drawing/2014/main" id="{3AD54C2D-2D36-4295-9BE1-54EC5700D8CA}"/>
+              </a:ext>
+            </a:extLst>
+          </p:cNvPr>
+          <p:cNvSpPr>
+            <a:spLocks noGrp="1"/>
+          </p:cNvSpPr>
+          <p:nvPr>
+            <p:ph type="title"/>
+          </p:nvPr>
+        </p:nvSpPr>
+        <p:spPr>
+          <a:xfrm>
+            <a:off x="838200" y="365125"/>
+            <a:ext cx="10515600" cy="2527977"/>
+          </a:xfrm>
+          <a:noFill/>
+          <a:ln>
+            <a:noFill/>
+          </a:ln>
+        </p:spPr>
+        <p:style>
+          <a:lnRef idx="0">
+            <a:scrgbClr r="0" g="0" b="0"/>
+          </a:lnRef>
+          <a:fillRef idx="0">
+            <a:scrgbClr r="0" g="0" b="0"/>
+          </a:fillRef>
+          <a:effectRef idx="0">
+            <a:scrgbClr r="0" g="0" b="0"/>
+          </a:effectRef>
+          <a:fontRef idx="minor">
+            <a:schemeClr val="accent2"/>
+          </a:fontRef>
+        </p:style>
+        <p:txBody>
+          <a:bodyPr>
+            <a:normAutofit/>
+          </a:bodyPr>
+          <a:lstStyle/>
+          <a:p>
+            <a:pPr algn="ctr"/>
+            <a:r>
+              <a:rPr lang="ru-RU" sz="6000" dirty="0"/>
+              <a:t/>
+            </a:r>
+            <a:br>
+              <a:rPr lang="ru-RU" sz="6000" dirty="0"/>
+            </a:br>
+            <a:r>
+              <a:rPr lang="en-US" sz="6000" dirty="0"/>
+              <a:t>The end!</a:t>
+            </a:r>
+            <a:endParaRPr lang="ru-RU" sz="6000" dirty="0"/>
+          </a:p>
+        </p:txBody>
+      </p:sp>
+    </p:spTree>
+    <p:extLst>
+      <p:ext uri="{BB962C8B-B14F-4D97-AF65-F5344CB8AC3E}">
+        <p14:creationId xmlns="" xmlns:p14="http://schemas.microsoft.com/office/powerpoint/2010/main" val="4034742414"/>
+      </p:ext>
+    </p:extLst>
+  </p:cSld>
+  <p:clrMapOvr>
+    <a:masterClrMapping/>
+  </p:clrMapOvr>
+</p:sld>
+</file>
+
+<file path=ppt/slides/slide2.xml><?xml version="1.0" encoding="utf-8"?>
+<p:sld xmlns:a="http://schemas.openxmlformats.org/drawingml/2006/main" xmlns:r="http://schemas.openxmlformats.org/officeDocument/2006/relationships" xmlns:p="http://schemas.openxmlformats.org/presentationml/2006/main">
+  <p:cSld>
+    <p:bg>
+      <p:bgPr>
+        <a:blipFill dpi="0" rotWithShape="1">
+          <a:blip r:embed="rId2" cstate="print">
             <a:lum/>
           </a:blip>
           <a:srcRect/>
@@ -4447,7 +4333,7 @@
           <p:cNvPr id="2" name="Заголовок 1">
             <a:extLst>
               <a:ext uri="{FF2B5EF4-FFF2-40B4-BE49-F238E27FC236}">
-                <a16:creationId xmlns:a16="http://schemas.microsoft.com/office/drawing/2014/main" id="{B6D8433C-66F5-40A2-8851-D538F1466B1A}"/>
+                <a16:creationId xmlns="" xmlns:a16="http://schemas.microsoft.com/office/drawing/2014/main" id="{32E1B4D4-B574-4270-8D7F-AECCC683D88A}"/>
               </a:ext>
             </a:extLst>
           </p:cNvPr>
@@ -4486,9 +4372,10 @@
           <a:p>
             <a:pPr algn="ctr"/>
             <a:r>
-              <a:rPr lang="ru-RU" sz="5400" dirty="0"/>
-              <a:t>Темы игры</a:t>
-            </a:r>
+              <a:rPr lang="ru-RU" sz="5400" dirty="0" smtClean="0"/>
+              <a:t>Паспорт проекта</a:t>
+            </a:r>
+            <a:endParaRPr lang="ru-RU" sz="5400" dirty="0"/>
           </a:p>
         </p:txBody>
       </p:sp>
@@ -4497,7 +4384,7 @@
           <p:cNvPr id="3" name="Объект 2">
             <a:extLst>
               <a:ext uri="{FF2B5EF4-FFF2-40B4-BE49-F238E27FC236}">
-                <a16:creationId xmlns:a16="http://schemas.microsoft.com/office/drawing/2014/main" id="{DE312FF5-B119-43D2-BCCB-DAEE2CBFE445}"/>
+                <a16:creationId xmlns="" xmlns:a16="http://schemas.microsoft.com/office/drawing/2014/main" id="{F0829CF3-BE19-47F9-824B-C61BFC6B3CB7}"/>
               </a:ext>
             </a:extLst>
           </p:cNvPr>
@@ -4511,7 +4398,7 @@
         <p:spPr>
           <a:xfrm>
             <a:off x="838200" y="1825625"/>
-            <a:ext cx="4888043" cy="4351338"/>
+            <a:ext cx="6050872" cy="4351338"/>
           </a:xfrm>
           <a:solidFill>
             <a:schemeClr val="accent1">
@@ -4537,36 +4424,84 @@
           </a:fontRef>
         </p:style>
         <p:txBody>
-          <a:bodyPr/>
-          <a:lstStyle/>
-          <a:p>
-            <a:r>
-              <a:rPr lang="ru-RU" dirty="0"/>
-              <a:t>В игре есть интересная возможность выбирать скины кубиков и поля. Новые темы открываются за достижения</a:t>
-            </a:r>
+          <a:bodyPr>
+            <a:normAutofit/>
+          </a:bodyPr>
+          <a:lstStyle/>
+          <a:p>
+            <a:r>
+              <a:rPr lang="ru-RU" sz="2400" dirty="0" smtClean="0"/>
+              <a:t>Используемые технические средства:</a:t>
+            </a:r>
+            <a:endParaRPr lang="ru-RU" sz="2000" dirty="0"/>
+          </a:p>
+          <a:p>
+            <a:r>
+              <a:rPr lang="en-US" sz="2000" dirty="0" smtClean="0"/>
+              <a:t>Python, </a:t>
+            </a:r>
+            <a:r>
+              <a:rPr lang="en-US" sz="2000" dirty="0" err="1" smtClean="0"/>
+              <a:t>SQLite</a:t>
+            </a:r>
+            <a:endParaRPr lang="en-US" sz="2000" dirty="0" smtClean="0"/>
+          </a:p>
+          <a:p>
+            <a:r>
+              <a:rPr lang="ru-RU" sz="2400" dirty="0" smtClean="0"/>
+              <a:t>Используемые </a:t>
+            </a:r>
+            <a:r>
+              <a:rPr lang="ru-RU" sz="2400" dirty="0" err="1" smtClean="0"/>
+              <a:t>фреймворки</a:t>
+            </a:r>
+            <a:r>
+              <a:rPr lang="ru-RU" sz="2400" dirty="0" smtClean="0"/>
+              <a:t>: </a:t>
+            </a:r>
+            <a:r>
+              <a:rPr lang="en-US" sz="2400" dirty="0" err="1" smtClean="0"/>
+              <a:t>pygame</a:t>
+            </a:r>
+            <a:r>
+              <a:rPr lang="en-US" sz="2400" dirty="0" smtClean="0"/>
+              <a:t>, </a:t>
+            </a:r>
+            <a:r>
+              <a:rPr lang="en-US" sz="2400" dirty="0" err="1" smtClean="0"/>
+              <a:t>pygame_gui</a:t>
+            </a:r>
+            <a:endParaRPr lang="ru-RU" sz="2400" dirty="0" smtClean="0"/>
           </a:p>
         </p:txBody>
       </p:sp>
     </p:spTree>
     <p:extLst>
       <p:ext uri="{BB962C8B-B14F-4D97-AF65-F5344CB8AC3E}">
-        <p14:creationId xmlns:p14="http://schemas.microsoft.com/office/powerpoint/2010/main" val="3892635530"/>
+        <p14:creationId xmlns="" xmlns:p14="http://schemas.microsoft.com/office/powerpoint/2010/main" val="4154382885"/>
       </p:ext>
     </p:extLst>
   </p:cSld>
   <p:clrMapOvr>
     <a:masterClrMapping/>
   </p:clrMapOvr>
+  <p:timing>
+    <p:tnLst>
+      <p:par>
+        <p:cTn id="1" dur="indefinite" restart="never" nodeType="tmRoot"/>
+      </p:par>
+    </p:tnLst>
+  </p:timing>
 </p:sld>
 </file>
 
-<file path=ppt/slides/slide5.xml><?xml version="1.0" encoding="utf-8"?>
+<file path=ppt/slides/slide3.xml><?xml version="1.0" encoding="utf-8"?>
 <p:sld xmlns:a="http://schemas.openxmlformats.org/drawingml/2006/main" xmlns:r="http://schemas.openxmlformats.org/officeDocument/2006/relationships" xmlns:p="http://schemas.openxmlformats.org/presentationml/2006/main">
   <p:cSld>
     <p:bg>
       <p:bgPr>
         <a:blipFill dpi="0" rotWithShape="1">
-          <a:blip r:embed="rId2">
+          <a:blip r:embed="rId2" cstate="print">
             <a:lum/>
           </a:blip>
           <a:srcRect/>
@@ -4596,7 +4531,7 @@
           <p:cNvPr id="2" name="Заголовок 1">
             <a:extLst>
               <a:ext uri="{FF2B5EF4-FFF2-40B4-BE49-F238E27FC236}">
-                <a16:creationId xmlns:a16="http://schemas.microsoft.com/office/drawing/2014/main" id="{B45B51EC-9796-43CE-A050-F02136865A33}"/>
+                <a16:creationId xmlns="" xmlns:a16="http://schemas.microsoft.com/office/drawing/2014/main" id="{32E1B4D4-B574-4270-8D7F-AECCC683D88A}"/>
               </a:ext>
             </a:extLst>
           </p:cNvPr>
@@ -4635,9 +4570,10 @@
           <a:p>
             <a:pPr algn="ctr"/>
             <a:r>
-              <a:rPr lang="ru-RU" sz="5400" dirty="0"/>
-              <a:t>Сложность игры</a:t>
-            </a:r>
+              <a:rPr lang="ru-RU" sz="5400" dirty="0" smtClean="0"/>
+              <a:t>Краткое описание</a:t>
+            </a:r>
+            <a:endParaRPr lang="ru-RU" sz="5400" dirty="0"/>
           </a:p>
         </p:txBody>
       </p:sp>
@@ -4646,7 +4582,7 @@
           <p:cNvPr id="3" name="Объект 2">
             <a:extLst>
               <a:ext uri="{FF2B5EF4-FFF2-40B4-BE49-F238E27FC236}">
-                <a16:creationId xmlns:a16="http://schemas.microsoft.com/office/drawing/2014/main" id="{F611716F-393F-4B90-B1D9-6F93CDC6C196}"/>
+                <a16:creationId xmlns="" xmlns:a16="http://schemas.microsoft.com/office/drawing/2014/main" id="{F0829CF3-BE19-47F9-824B-C61BFC6B3CB7}"/>
               </a:ext>
             </a:extLst>
           </p:cNvPr>
@@ -4659,8 +4595,8 @@
         </p:nvSpPr>
         <p:spPr>
           <a:xfrm>
-            <a:off x="838200" y="1825625"/>
-            <a:ext cx="5257800" cy="4351338"/>
+            <a:off x="838199" y="1825625"/>
+            <a:ext cx="10605117" cy="4351338"/>
           </a:xfrm>
           <a:solidFill>
             <a:schemeClr val="accent1">
@@ -4686,20 +4622,43 @@
           </a:fontRef>
         </p:style>
         <p:txBody>
-          <a:bodyPr/>
-          <a:lstStyle/>
-          <a:p>
-            <a:r>
-              <a:rPr lang="ru-RU" dirty="0"/>
-              <a:t>Пользователю дана возможность самостоятельно выбирать уровень игры. Чем больше уровень, тем больше награда!</a:t>
-            </a:r>
+          <a:bodyPr>
+            <a:normAutofit/>
+          </a:bodyPr>
+          <a:lstStyle/>
+          <a:p>
+            <a:r>
+              <a:rPr lang="ru-RU" sz="2400" dirty="0" smtClean="0"/>
+              <a:t>Проект представляет собой всемирно известную игру, </a:t>
+            </a:r>
+            <a:r>
+              <a:rPr lang="ru-RU" sz="2400" dirty="0" err="1" smtClean="0"/>
+              <a:t>портированную</a:t>
+            </a:r>
+            <a:r>
+              <a:rPr lang="ru-RU" sz="2400" dirty="0" smtClean="0"/>
+              <a:t> на множество игровых платформ – Тетрис. Правила очень просты: вверху окна появляется фигурка, подающая с определенной скоростью. Есть 7 видов фигурок. При заполнении одного ряда, он удаляется и за него начисляются очки.</a:t>
+            </a:r>
+          </a:p>
+          <a:p>
+            <a:r>
+              <a:rPr lang="ru-RU" sz="2400" dirty="0" smtClean="0"/>
+              <a:t>Управление осуществляется по средствам нажатия на стрелки на клавиатуре.</a:t>
+            </a:r>
+          </a:p>
+          <a:p>
+            <a:r>
+              <a:rPr lang="ru-RU" sz="2400" dirty="0" smtClean="0"/>
+              <a:t>Стрелки вправо и влево позволяют фигуре двигаться вправо и влево соответственно, стрелка вверх позволяет повернуть фигуру по часовой стрелке, если есть возможность, стрелка вниз позволяет зарабатывать дополнительные очки и двигает фигурки быстрее вниз.</a:t>
+            </a:r>
+            <a:endParaRPr lang="ru-RU" sz="2400" dirty="0"/>
           </a:p>
         </p:txBody>
       </p:sp>
     </p:spTree>
     <p:extLst>
       <p:ext uri="{BB962C8B-B14F-4D97-AF65-F5344CB8AC3E}">
-        <p14:creationId xmlns:p14="http://schemas.microsoft.com/office/powerpoint/2010/main" val="3041794200"/>
+        <p14:creationId xmlns="" xmlns:p14="http://schemas.microsoft.com/office/powerpoint/2010/main" val="4154382885"/>
       </p:ext>
     </p:extLst>
   </p:cSld>
@@ -4709,13 +4668,13 @@
 </p:sld>
 </file>
 
-<file path=ppt/slides/slide6.xml><?xml version="1.0" encoding="utf-8"?>
+<file path=ppt/slides/slide4.xml><?xml version="1.0" encoding="utf-8"?>
 <p:sld xmlns:a="http://schemas.openxmlformats.org/drawingml/2006/main" xmlns:r="http://schemas.openxmlformats.org/officeDocument/2006/relationships" xmlns:p="http://schemas.openxmlformats.org/presentationml/2006/main">
   <p:cSld>
     <p:bg>
       <p:bgPr>
         <a:blipFill dpi="0" rotWithShape="1">
-          <a:blip r:embed="rId2">
+          <a:blip r:embed="rId2" cstate="print">
             <a:lum/>
           </a:blip>
           <a:srcRect/>
@@ -4745,7 +4704,7 @@
           <p:cNvPr id="2" name="Заголовок 1">
             <a:extLst>
               <a:ext uri="{FF2B5EF4-FFF2-40B4-BE49-F238E27FC236}">
-                <a16:creationId xmlns:a16="http://schemas.microsoft.com/office/drawing/2014/main" id="{AAF41B04-C945-4870-8AB9-FF84F79B45F2}"/>
+                <a16:creationId xmlns="" xmlns:a16="http://schemas.microsoft.com/office/drawing/2014/main" id="{32E1B4D4-B574-4270-8D7F-AECCC683D88A}"/>
               </a:ext>
             </a:extLst>
           </p:cNvPr>
@@ -4784,9 +4743,14 @@
           <a:p>
             <a:pPr algn="ctr"/>
             <a:r>
-              <a:rPr lang="ru-RU" sz="5400" dirty="0"/>
-              <a:t>Награды</a:t>
-            </a:r>
+              <a:rPr lang="ru-RU" dirty="0" smtClean="0"/>
+              <a:t>Объекты, использующиеся классом </a:t>
+            </a:r>
+            <a:r>
+              <a:rPr lang="en-US" dirty="0" smtClean="0"/>
+              <a:t>Game</a:t>
+            </a:r>
+            <a:endParaRPr lang="ru-RU" dirty="0"/>
           </a:p>
         </p:txBody>
       </p:sp>
@@ -4795,7 +4759,7 @@
           <p:cNvPr id="3" name="Объект 2">
             <a:extLst>
               <a:ext uri="{FF2B5EF4-FFF2-40B4-BE49-F238E27FC236}">
-                <a16:creationId xmlns:a16="http://schemas.microsoft.com/office/drawing/2014/main" id="{33C35132-BFC1-4DDC-A93A-2103B5D98C09}"/>
+                <a16:creationId xmlns="" xmlns:a16="http://schemas.microsoft.com/office/drawing/2014/main" id="{F0829CF3-BE19-47F9-824B-C61BFC6B3CB7}"/>
               </a:ext>
             </a:extLst>
           </p:cNvPr>
@@ -4808,8 +4772,8 @@
         </p:nvSpPr>
         <p:spPr>
           <a:xfrm>
-            <a:off x="838200" y="1825625"/>
-            <a:ext cx="4798102" cy="4351338"/>
+            <a:off x="838199" y="1825625"/>
+            <a:ext cx="10542973" cy="4351338"/>
           </a:xfrm>
           <a:solidFill>
             <a:schemeClr val="accent1">
@@ -4841,16 +4805,59 @@
           <a:lstStyle/>
           <a:p>
             <a:r>
-              <a:rPr lang="ru-RU" sz="3200" dirty="0"/>
-              <a:t>В игре реализована увлекательная система достижений.</a:t>
-            </a:r>
+              <a:rPr lang="ru-RU" sz="2400" dirty="0" smtClean="0"/>
+              <a:t>Программа строится на двух классах</a:t>
+            </a:r>
+          </a:p>
+          <a:p>
+            <a:r>
+              <a:rPr lang="ru-RU" sz="2400" dirty="0" smtClean="0"/>
+              <a:t>Классы:</a:t>
+            </a:r>
+          </a:p>
+          <a:p>
+            <a:r>
+              <a:rPr lang="en-US" sz="2400" dirty="0" smtClean="0"/>
+              <a:t>Figure – </a:t>
+            </a:r>
+            <a:r>
+              <a:rPr lang="ru-RU" sz="2400" dirty="0" smtClean="0"/>
+              <a:t>класс фигур, отвечает за </a:t>
+            </a:r>
+            <a:r>
+              <a:rPr lang="ru-RU" sz="2400" dirty="0" err="1" smtClean="0"/>
+              <a:t>отрисовку</a:t>
+            </a:r>
+            <a:r>
+              <a:rPr lang="ru-RU" sz="2400" dirty="0" smtClean="0"/>
+              <a:t> фигур на поле, появление их в матрице, движение и поворот</a:t>
+            </a:r>
+          </a:p>
+          <a:p>
+            <a:r>
+              <a:rPr lang="en-US" sz="2400" dirty="0" smtClean="0"/>
+              <a:t>Grid – </a:t>
+            </a:r>
+            <a:r>
+              <a:rPr lang="ru-RU" sz="2400" dirty="0" smtClean="0"/>
+              <a:t>класс игрового поля, отвечает за </a:t>
+            </a:r>
+            <a:r>
+              <a:rPr lang="ru-RU" sz="2400" dirty="0" err="1" smtClean="0"/>
+              <a:t>отрисовку</a:t>
+            </a:r>
+            <a:r>
+              <a:rPr lang="ru-RU" sz="2400" dirty="0" smtClean="0"/>
+              <a:t> сетки поля и взаимодействие с самим полем, выводит количество очков на экран.</a:t>
+            </a:r>
+            <a:endParaRPr lang="ru-RU" sz="2400" dirty="0"/>
           </a:p>
         </p:txBody>
       </p:sp>
     </p:spTree>
     <p:extLst>
       <p:ext uri="{BB962C8B-B14F-4D97-AF65-F5344CB8AC3E}">
-        <p14:creationId xmlns:p14="http://schemas.microsoft.com/office/powerpoint/2010/main" val="276255252"/>
+        <p14:creationId xmlns="" xmlns:p14="http://schemas.microsoft.com/office/powerpoint/2010/main" val="4154382885"/>
       </p:ext>
     </p:extLst>
   </p:cSld>
@@ -4860,18 +4867,18 @@
 </p:sld>
 </file>
 
-<file path=ppt/slides/slide7.xml><?xml version="1.0" encoding="utf-8"?>
+<file path=ppt/slides/slide5.xml><?xml version="1.0" encoding="utf-8"?>
 <p:sld xmlns:a="http://schemas.openxmlformats.org/drawingml/2006/main" xmlns:r="http://schemas.openxmlformats.org/officeDocument/2006/relationships" xmlns:p="http://schemas.openxmlformats.org/presentationml/2006/main">
   <p:cSld>
     <p:bg>
       <p:bgPr>
         <a:blipFill dpi="0" rotWithShape="1">
-          <a:blip r:embed="rId2">
+          <a:blip r:embed="rId2" cstate="print">
             <a:lum/>
           </a:blip>
           <a:srcRect/>
           <a:stretch>
-            <a:fillRect t="-17000" b="-17000"/>
+            <a:fillRect/>
           </a:stretch>
         </a:blipFill>
         <a:effectLst/>
@@ -4896,7 +4903,7 @@
           <p:cNvPr id="2" name="Заголовок 1">
             <a:extLst>
               <a:ext uri="{FF2B5EF4-FFF2-40B4-BE49-F238E27FC236}">
-                <a16:creationId xmlns:a16="http://schemas.microsoft.com/office/drawing/2014/main" id="{3AD54C2D-2D36-4295-9BE1-54EC5700D8CA}"/>
+                <a16:creationId xmlns="" xmlns:a16="http://schemas.microsoft.com/office/drawing/2014/main" id="{32E1B4D4-B574-4270-8D7F-AECCC683D88A}"/>
               </a:ext>
             </a:extLst>
           </p:cNvPr>
@@ -4905,12 +4912,614 @@
           </p:cNvSpPr>
           <p:nvPr>
             <p:ph type="title"/>
+          </p:nvPr>
+        </p:nvSpPr>
+        <p:spPr>
+          <a:noFill/>
+          <a:ln>
+            <a:noFill/>
+          </a:ln>
+        </p:spPr>
+        <p:style>
+          <a:lnRef idx="0">
+            <a:scrgbClr r="0" g="0" b="0"/>
+          </a:lnRef>
+          <a:fillRef idx="0">
+            <a:scrgbClr r="0" g="0" b="0"/>
+          </a:fillRef>
+          <a:effectRef idx="0">
+            <a:scrgbClr r="0" g="0" b="0"/>
+          </a:effectRef>
+          <a:fontRef idx="minor">
+            <a:schemeClr val="accent2"/>
+          </a:fontRef>
+        </p:style>
+        <p:txBody>
+          <a:bodyPr>
+            <a:normAutofit/>
+          </a:bodyPr>
+          <a:lstStyle/>
+          <a:p>
+            <a:pPr algn="ctr"/>
+            <a:r>
+              <a:rPr lang="ru-RU" dirty="0" smtClean="0"/>
+              <a:t>Функции, использующиеся классом </a:t>
+            </a:r>
+            <a:r>
+              <a:rPr lang="en-US" dirty="0" smtClean="0"/>
+              <a:t>Game</a:t>
+            </a:r>
+            <a:endParaRPr lang="ru-RU" dirty="0"/>
+          </a:p>
+        </p:txBody>
+      </p:sp>
+      <p:sp>
+        <p:nvSpPr>
+          <p:cNvPr id="3" name="Объект 2">
+            <a:extLst>
+              <a:ext uri="{FF2B5EF4-FFF2-40B4-BE49-F238E27FC236}">
+                <a16:creationId xmlns="" xmlns:a16="http://schemas.microsoft.com/office/drawing/2014/main" id="{F0829CF3-BE19-47F9-824B-C61BFC6B3CB7}"/>
+              </a:ext>
+            </a:extLst>
+          </p:cNvPr>
+          <p:cNvSpPr>
+            <a:spLocks noGrp="1"/>
+          </p:cNvSpPr>
+          <p:nvPr>
+            <p:ph idx="1"/>
           </p:nvPr>
         </p:nvSpPr>
         <p:spPr>
           <a:xfrm>
-            <a:off x="838200" y="365125"/>
-            <a:ext cx="10515600" cy="2527977"/>
+            <a:off x="838199" y="1825625"/>
+            <a:ext cx="10542973" cy="4351338"/>
+          </a:xfrm>
+          <a:solidFill>
+            <a:schemeClr val="accent1">
+              <a:alpha val="50000"/>
+            </a:schemeClr>
+          </a:solidFill>
+          <a:ln>
+            <a:noFill/>
+          </a:ln>
+        </p:spPr>
+        <p:style>
+          <a:lnRef idx="0">
+            <a:scrgbClr r="0" g="0" b="0"/>
+          </a:lnRef>
+          <a:fillRef idx="0">
+            <a:scrgbClr r="0" g="0" b="0"/>
+          </a:fillRef>
+          <a:effectRef idx="0">
+            <a:scrgbClr r="0" g="0" b="0"/>
+          </a:effectRef>
+          <a:fontRef idx="minor">
+            <a:schemeClr val="lt1"/>
+          </a:fontRef>
+        </p:style>
+        <p:txBody>
+          <a:bodyPr>
+            <a:normAutofit/>
+          </a:bodyPr>
+          <a:lstStyle/>
+          <a:p>
+            <a:r>
+              <a:rPr lang="ru-RU" sz="2400" dirty="0" smtClean="0"/>
+              <a:t>В программе присутствует несколько функций, к которым есть доступ у всех классов:</a:t>
+            </a:r>
+          </a:p>
+          <a:p>
+            <a:r>
+              <a:rPr lang="en-GB" sz="2400" dirty="0" smtClean="0"/>
+              <a:t>Terminate – </a:t>
+            </a:r>
+            <a:r>
+              <a:rPr lang="ru-RU" sz="2400" dirty="0" smtClean="0"/>
+              <a:t>обеспечивает выход из программы</a:t>
+            </a:r>
+          </a:p>
+          <a:p>
+            <a:r>
+              <a:rPr lang="en-GB" sz="2400" dirty="0" err="1" smtClean="0"/>
+              <a:t>load_image</a:t>
+            </a:r>
+            <a:r>
+              <a:rPr lang="ru-RU" sz="2400" dirty="0" smtClean="0"/>
+              <a:t> – преобразование изображения в объект</a:t>
+            </a:r>
+          </a:p>
+          <a:p>
+            <a:r>
+              <a:rPr lang="en-GB" sz="2400" dirty="0" err="1" smtClean="0"/>
+              <a:t>write_history</a:t>
+            </a:r>
+            <a:r>
+              <a:rPr lang="ru-RU" sz="2400" dirty="0" smtClean="0"/>
+              <a:t> – выводит на экран небольшую историческую справку по созданию игры Тетрис</a:t>
+            </a:r>
+          </a:p>
+          <a:p>
+            <a:r>
+              <a:rPr lang="en-GB" sz="2400" dirty="0" err="1" smtClean="0"/>
+              <a:t>start_screen</a:t>
+            </a:r>
+            <a:r>
+              <a:rPr lang="ru-RU" sz="2400" dirty="0" smtClean="0"/>
+              <a:t> – отвечает за вывод главного меню программы</a:t>
+            </a:r>
+          </a:p>
+          <a:p>
+            <a:r>
+              <a:rPr lang="en-GB" sz="2400" dirty="0" err="1" smtClean="0"/>
+              <a:t>newGame</a:t>
+            </a:r>
+            <a:r>
+              <a:rPr lang="ru-RU" sz="2400" dirty="0" smtClean="0"/>
+              <a:t> – отвечает за игровой процесс, обновление игрового поля</a:t>
+            </a:r>
+            <a:endParaRPr lang="ru-RU" sz="2400" dirty="0"/>
+          </a:p>
+        </p:txBody>
+      </p:sp>
+    </p:spTree>
+    <p:extLst>
+      <p:ext uri="{BB962C8B-B14F-4D97-AF65-F5344CB8AC3E}">
+        <p14:creationId xmlns="" xmlns:p14="http://schemas.microsoft.com/office/powerpoint/2010/main" val="4154382885"/>
+      </p:ext>
+    </p:extLst>
+  </p:cSld>
+  <p:clrMapOvr>
+    <a:masterClrMapping/>
+  </p:clrMapOvr>
+</p:sld>
+</file>
+
+<file path=ppt/slides/slide6.xml><?xml version="1.0" encoding="utf-8"?>
+<p:sld xmlns:a="http://schemas.openxmlformats.org/drawingml/2006/main" xmlns:r="http://schemas.openxmlformats.org/officeDocument/2006/relationships" xmlns:p="http://schemas.openxmlformats.org/presentationml/2006/main">
+  <p:cSld>
+    <p:bg>
+      <p:bgPr>
+        <a:blipFill dpi="0" rotWithShape="1">
+          <a:blip r:embed="rId2" cstate="print">
+            <a:lum/>
+          </a:blip>
+          <a:srcRect/>
+          <a:stretch>
+            <a:fillRect/>
+          </a:stretch>
+        </a:blipFill>
+        <a:effectLst/>
+      </p:bgPr>
+    </p:bg>
+    <p:spTree>
+      <p:nvGrpSpPr>
+        <p:cNvPr id="1" name=""/>
+        <p:cNvGrpSpPr/>
+        <p:nvPr/>
+      </p:nvGrpSpPr>
+      <p:grpSpPr>
+        <a:xfrm>
+          <a:off x="0" y="0"/>
+          <a:ext cx="0" cy="0"/>
+          <a:chOff x="0" y="0"/>
+          <a:chExt cx="0" cy="0"/>
+        </a:xfrm>
+      </p:grpSpPr>
+      <p:sp>
+        <p:nvSpPr>
+          <p:cNvPr id="2" name="Заголовок 1">
+            <a:extLst>
+              <a:ext uri="{FF2B5EF4-FFF2-40B4-BE49-F238E27FC236}">
+                <a16:creationId xmlns="" xmlns:a16="http://schemas.microsoft.com/office/drawing/2014/main" id="{32E1B4D4-B574-4270-8D7F-AECCC683D88A}"/>
+              </a:ext>
+            </a:extLst>
+          </p:cNvPr>
+          <p:cNvSpPr>
+            <a:spLocks noGrp="1"/>
+          </p:cNvSpPr>
+          <p:nvPr>
+            <p:ph type="title"/>
+          </p:nvPr>
+        </p:nvSpPr>
+        <p:spPr>
+          <a:noFill/>
+          <a:ln>
+            <a:noFill/>
+          </a:ln>
+        </p:spPr>
+        <p:style>
+          <a:lnRef idx="0">
+            <a:scrgbClr r="0" g="0" b="0"/>
+          </a:lnRef>
+          <a:fillRef idx="0">
+            <a:scrgbClr r="0" g="0" b="0"/>
+          </a:fillRef>
+          <a:effectRef idx="0">
+            <a:scrgbClr r="0" g="0" b="0"/>
+          </a:effectRef>
+          <a:fontRef idx="minor">
+            <a:schemeClr val="accent2"/>
+          </a:fontRef>
+        </p:style>
+        <p:txBody>
+          <a:bodyPr>
+            <a:normAutofit/>
+          </a:bodyPr>
+          <a:lstStyle/>
+          <a:p>
+            <a:pPr algn="ctr"/>
+            <a:r>
+              <a:rPr lang="ru-RU" dirty="0" smtClean="0"/>
+              <a:t>База данных</a:t>
+            </a:r>
+            <a:endParaRPr lang="ru-RU" dirty="0"/>
+          </a:p>
+        </p:txBody>
+      </p:sp>
+      <p:sp>
+        <p:nvSpPr>
+          <p:cNvPr id="3" name="Объект 2">
+            <a:extLst>
+              <a:ext uri="{FF2B5EF4-FFF2-40B4-BE49-F238E27FC236}">
+                <a16:creationId xmlns="" xmlns:a16="http://schemas.microsoft.com/office/drawing/2014/main" id="{F0829CF3-BE19-47F9-824B-C61BFC6B3CB7}"/>
+              </a:ext>
+            </a:extLst>
+          </p:cNvPr>
+          <p:cNvSpPr>
+            <a:spLocks noGrp="1"/>
+          </p:cNvSpPr>
+          <p:nvPr>
+            <p:ph idx="1"/>
+          </p:nvPr>
+        </p:nvSpPr>
+        <p:spPr>
+          <a:xfrm>
+            <a:off x="838199" y="1825625"/>
+            <a:ext cx="10542973" cy="4351338"/>
+          </a:xfrm>
+          <a:solidFill>
+            <a:schemeClr val="accent1">
+              <a:alpha val="50000"/>
+            </a:schemeClr>
+          </a:solidFill>
+          <a:ln>
+            <a:noFill/>
+          </a:ln>
+        </p:spPr>
+        <p:style>
+          <a:lnRef idx="0">
+            <a:scrgbClr r="0" g="0" b="0"/>
+          </a:lnRef>
+          <a:fillRef idx="0">
+            <a:scrgbClr r="0" g="0" b="0"/>
+          </a:fillRef>
+          <a:effectRef idx="0">
+            <a:scrgbClr r="0" g="0" b="0"/>
+          </a:effectRef>
+          <a:fontRef idx="minor">
+            <a:schemeClr val="lt1"/>
+          </a:fontRef>
+        </p:style>
+        <p:txBody>
+          <a:bodyPr>
+            <a:normAutofit/>
+          </a:bodyPr>
+          <a:lstStyle/>
+          <a:p>
+            <a:r>
+              <a:rPr lang="ru-RU" sz="2400" dirty="0" smtClean="0"/>
+              <a:t>В проекте присутствует база данных </a:t>
+            </a:r>
+            <a:r>
+              <a:rPr lang="en-US" sz="2400" dirty="0" err="1" smtClean="0"/>
+              <a:t>main_db</a:t>
+            </a:r>
+            <a:r>
+              <a:rPr lang="en-US" sz="2400" dirty="0" smtClean="0"/>
+              <a:t>. </a:t>
+            </a:r>
+            <a:r>
+              <a:rPr lang="ru-RU" sz="2400" dirty="0" smtClean="0"/>
+              <a:t>Для простоты развертывания приложения реализована на </a:t>
+            </a:r>
+            <a:r>
+              <a:rPr lang="en-US" sz="2400" dirty="0" err="1" smtClean="0"/>
+              <a:t>SQLite</a:t>
+            </a:r>
+            <a:r>
+              <a:rPr lang="ru-RU" sz="2400" dirty="0" smtClean="0"/>
+              <a:t>. База содержит 3 таблицы</a:t>
+            </a:r>
+            <a:r>
+              <a:rPr lang="en-US" sz="2400" dirty="0" smtClean="0"/>
+              <a:t>:</a:t>
+            </a:r>
+          </a:p>
+          <a:p>
+            <a:r>
+              <a:rPr lang="en-US" sz="2400" dirty="0" smtClean="0"/>
+              <a:t>SOUNDS </a:t>
+            </a:r>
+            <a:r>
+              <a:rPr lang="ru-RU" sz="2400" dirty="0" smtClean="0"/>
+              <a:t>– хранит в себе всю музыку из приложения</a:t>
+            </a:r>
+          </a:p>
+          <a:p>
+            <a:r>
+              <a:rPr lang="en-US" sz="2400" dirty="0" smtClean="0"/>
+              <a:t>SPRITES – </a:t>
+            </a:r>
+            <a:r>
+              <a:rPr lang="ru-RU" sz="2400" dirty="0" smtClean="0"/>
+              <a:t>хранит в себе все спрайты и изображения, используемые в приложении</a:t>
+            </a:r>
+          </a:p>
+          <a:p>
+            <a:r>
+              <a:rPr lang="en-US" sz="2400" dirty="0" smtClean="0"/>
+              <a:t>SCORES – </a:t>
+            </a:r>
+            <a:r>
+              <a:rPr lang="ru-RU" sz="2400" dirty="0" smtClean="0"/>
+              <a:t>хранит в себе информацию по всем сыгранным играм</a:t>
+            </a:r>
+            <a:endParaRPr lang="ru-RU" sz="2400" dirty="0"/>
+          </a:p>
+        </p:txBody>
+      </p:sp>
+    </p:spTree>
+    <p:extLst>
+      <p:ext uri="{BB962C8B-B14F-4D97-AF65-F5344CB8AC3E}">
+        <p14:creationId xmlns="" xmlns:p14="http://schemas.microsoft.com/office/powerpoint/2010/main" val="4154382885"/>
+      </p:ext>
+    </p:extLst>
+  </p:cSld>
+  <p:clrMapOvr>
+    <a:masterClrMapping/>
+  </p:clrMapOvr>
+</p:sld>
+</file>
+
+<file path=ppt/slides/slide7.xml><?xml version="1.0" encoding="utf-8"?>
+<p:sld xmlns:a="http://schemas.openxmlformats.org/drawingml/2006/main" xmlns:r="http://schemas.openxmlformats.org/officeDocument/2006/relationships" xmlns:p="http://schemas.openxmlformats.org/presentationml/2006/main">
+  <p:cSld>
+    <p:bg>
+      <p:bgPr>
+        <a:blipFill dpi="0" rotWithShape="1">
+          <a:blip r:embed="rId2" cstate="print">
+            <a:lum/>
+          </a:blip>
+          <a:srcRect/>
+          <a:stretch>
+            <a:fillRect/>
+          </a:stretch>
+        </a:blipFill>
+        <a:effectLst/>
+      </p:bgPr>
+    </p:bg>
+    <p:spTree>
+      <p:nvGrpSpPr>
+        <p:cNvPr id="1" name=""/>
+        <p:cNvGrpSpPr/>
+        <p:nvPr/>
+      </p:nvGrpSpPr>
+      <p:grpSpPr>
+        <a:xfrm>
+          <a:off x="0" y="0"/>
+          <a:ext cx="0" cy="0"/>
+          <a:chOff x="0" y="0"/>
+          <a:chExt cx="0" cy="0"/>
+        </a:xfrm>
+      </p:grpSpPr>
+      <p:sp>
+        <p:nvSpPr>
+          <p:cNvPr id="2" name="Заголовок 1">
+            <a:extLst>
+              <a:ext uri="{FF2B5EF4-FFF2-40B4-BE49-F238E27FC236}">
+                <a16:creationId xmlns="" xmlns:a16="http://schemas.microsoft.com/office/drawing/2014/main" id="{32E1B4D4-B574-4270-8D7F-AECCC683D88A}"/>
+              </a:ext>
+            </a:extLst>
+          </p:cNvPr>
+          <p:cNvSpPr>
+            <a:spLocks noGrp="1"/>
+          </p:cNvSpPr>
+          <p:nvPr>
+            <p:ph type="title"/>
+          </p:nvPr>
+        </p:nvSpPr>
+        <p:spPr>
+          <a:noFill/>
+          <a:ln>
+            <a:noFill/>
+          </a:ln>
+        </p:spPr>
+        <p:style>
+          <a:lnRef idx="0">
+            <a:scrgbClr r="0" g="0" b="0"/>
+          </a:lnRef>
+          <a:fillRef idx="0">
+            <a:scrgbClr r="0" g="0" b="0"/>
+          </a:fillRef>
+          <a:effectRef idx="0">
+            <a:scrgbClr r="0" g="0" b="0"/>
+          </a:effectRef>
+          <a:fontRef idx="minor">
+            <a:schemeClr val="accent2"/>
+          </a:fontRef>
+        </p:style>
+        <p:txBody>
+          <a:bodyPr>
+            <a:normAutofit/>
+          </a:bodyPr>
+          <a:lstStyle/>
+          <a:p>
+            <a:pPr algn="ctr"/>
+            <a:r>
+              <a:rPr lang="ru-RU" dirty="0" smtClean="0"/>
+              <a:t>Структура базы данных</a:t>
+            </a:r>
+            <a:endParaRPr lang="ru-RU" dirty="0"/>
+          </a:p>
+        </p:txBody>
+      </p:sp>
+      <p:pic>
+        <p:nvPicPr>
+          <p:cNvPr id="7" name="Содержимое 6" descr="бд1.png"/>
+          <p:cNvPicPr>
+            <a:picLocks noGrp="1" noChangeAspect="1"/>
+          </p:cNvPicPr>
+          <p:nvPr>
+            <p:ph idx="1"/>
+          </p:nvPr>
+        </p:nvPicPr>
+        <p:blipFill>
+          <a:blip r:embed="rId3" cstate="print"/>
+          <a:stretch>
+            <a:fillRect/>
+          </a:stretch>
+        </p:blipFill>
+        <p:spPr>
+          <a:xfrm>
+            <a:off x="712693" y="1443319"/>
+            <a:ext cx="7333893" cy="1506070"/>
+          </a:xfrm>
+          <a:solidFill>
+            <a:schemeClr val="accent1">
+              <a:alpha val="50000"/>
+            </a:schemeClr>
+          </a:solidFill>
+          <a:ln>
+            <a:noFill/>
+          </a:ln>
+        </p:spPr>
+        <p:style>
+          <a:lnRef idx="0">
+            <a:scrgbClr r="0" g="0" b="0"/>
+          </a:lnRef>
+          <a:fillRef idx="0">
+            <a:scrgbClr r="0" g="0" b="0"/>
+          </a:fillRef>
+          <a:effectRef idx="0">
+            <a:scrgbClr r="0" g="0" b="0"/>
+          </a:effectRef>
+          <a:fontRef idx="minor">
+            <a:schemeClr val="lt1"/>
+          </a:fontRef>
+        </p:style>
+      </p:pic>
+      <p:pic>
+        <p:nvPicPr>
+          <p:cNvPr id="8" name="Рисунок 7" descr="бд2.png"/>
+          <p:cNvPicPr>
+            <a:picLocks noChangeAspect="1"/>
+          </p:cNvPicPr>
+          <p:nvPr/>
+        </p:nvPicPr>
+        <p:blipFill>
+          <a:blip r:embed="rId4" cstate="print"/>
+          <a:stretch>
+            <a:fillRect/>
+          </a:stretch>
+        </p:blipFill>
+        <p:spPr>
+          <a:xfrm>
+            <a:off x="4646414" y="3278470"/>
+            <a:ext cx="5979942" cy="1410072"/>
+          </a:xfrm>
+          <a:prstGeom prst="rect">
+            <a:avLst/>
+          </a:prstGeom>
+        </p:spPr>
+      </p:pic>
+      <p:pic>
+        <p:nvPicPr>
+          <p:cNvPr id="9" name="Рисунок 8" descr="бд3.png"/>
+          <p:cNvPicPr>
+            <a:picLocks noChangeAspect="1"/>
+          </p:cNvPicPr>
+          <p:nvPr/>
+        </p:nvPicPr>
+        <p:blipFill>
+          <a:blip r:embed="rId5" cstate="print"/>
+          <a:stretch>
+            <a:fillRect/>
+          </a:stretch>
+        </p:blipFill>
+        <p:spPr>
+          <a:xfrm>
+            <a:off x="2139935" y="4956825"/>
+            <a:ext cx="5563377" cy="1390844"/>
+          </a:xfrm>
+          <a:prstGeom prst="rect">
+            <a:avLst/>
+          </a:prstGeom>
+        </p:spPr>
+      </p:pic>
+    </p:spTree>
+    <p:extLst>
+      <p:ext uri="{BB962C8B-B14F-4D97-AF65-F5344CB8AC3E}">
+        <p14:creationId xmlns="" xmlns:p14="http://schemas.microsoft.com/office/powerpoint/2010/main" val="4154382885"/>
+      </p:ext>
+    </p:extLst>
+  </p:cSld>
+  <p:clrMapOvr>
+    <a:masterClrMapping/>
+  </p:clrMapOvr>
+</p:sld>
+</file>
+
+<file path=ppt/slides/slide8.xml><?xml version="1.0" encoding="utf-8"?>
+<p:sld xmlns:a="http://schemas.openxmlformats.org/drawingml/2006/main" xmlns:r="http://schemas.openxmlformats.org/officeDocument/2006/relationships" xmlns:p="http://schemas.openxmlformats.org/presentationml/2006/main">
+  <p:cSld>
+    <p:bg>
+      <p:bgPr>
+        <a:blipFill dpi="0" rotWithShape="1">
+          <a:blip r:embed="rId2" cstate="print">
+            <a:lum/>
+          </a:blip>
+          <a:srcRect/>
+          <a:stretch>
+            <a:fillRect/>
+          </a:stretch>
+        </a:blipFill>
+        <a:effectLst/>
+      </p:bgPr>
+    </p:bg>
+    <p:spTree>
+      <p:nvGrpSpPr>
+        <p:cNvPr id="1" name=""/>
+        <p:cNvGrpSpPr/>
+        <p:nvPr/>
+      </p:nvGrpSpPr>
+      <p:grpSpPr>
+        <a:xfrm>
+          <a:off x="0" y="0"/>
+          <a:ext cx="0" cy="0"/>
+          <a:chOff x="0" y="0"/>
+          <a:chExt cx="0" cy="0"/>
+        </a:xfrm>
+      </p:grpSpPr>
+      <p:sp>
+        <p:nvSpPr>
+          <p:cNvPr id="2" name="Заголовок 1">
+            <a:extLst>
+              <a:ext uri="{FF2B5EF4-FFF2-40B4-BE49-F238E27FC236}">
+                <a16:creationId xmlns="" xmlns:a16="http://schemas.microsoft.com/office/drawing/2014/main" id="{32E1B4D4-B574-4270-8D7F-AECCC683D88A}"/>
+              </a:ext>
+            </a:extLst>
+          </p:cNvPr>
+          <p:cNvSpPr>
+            <a:spLocks noGrp="1"/>
+          </p:cNvSpPr>
+          <p:nvPr>
+            <p:ph type="title"/>
+          </p:nvPr>
+        </p:nvSpPr>
+        <p:spPr>
+          <a:xfrm>
+            <a:off x="5826521" y="626894"/>
+            <a:ext cx="6365479" cy="1325563"/>
           </a:xfrm>
           <a:noFill/>
           <a:ln>
@@ -4938,21 +5547,223 @@
           <a:lstStyle/>
           <a:p>
             <a:pPr algn="ctr"/>
-            <a:br>
-              <a:rPr lang="ru-RU" sz="6000" dirty="0"/>
-            </a:br>
-            <a:r>
-              <a:rPr lang="en-US" sz="6000" dirty="0"/>
-              <a:t>The end!</a:t>
-            </a:r>
-            <a:endParaRPr lang="ru-RU" sz="6000" dirty="0"/>
-          </a:p>
-        </p:txBody>
-      </p:sp>
+            <a:r>
+              <a:rPr lang="ru-RU" sz="5400" dirty="0" smtClean="0"/>
+              <a:t>Главный экран</a:t>
+            </a:r>
+            <a:endParaRPr lang="ru-RU" sz="5400" dirty="0"/>
+          </a:p>
+        </p:txBody>
+      </p:sp>
+      <p:pic>
+        <p:nvPicPr>
+          <p:cNvPr id="4" name="Содержимое 3" descr="главное меню.png"/>
+          <p:cNvPicPr>
+            <a:picLocks noGrp="1" noChangeAspect="1"/>
+          </p:cNvPicPr>
+          <p:nvPr>
+            <p:ph idx="1"/>
+          </p:nvPr>
+        </p:nvPicPr>
+        <p:blipFill>
+          <a:blip r:embed="rId3" cstate="print"/>
+          <a:stretch>
+            <a:fillRect/>
+          </a:stretch>
+        </p:blipFill>
+        <p:spPr>
+          <a:xfrm>
+            <a:off x="504333" y="1578253"/>
+            <a:ext cx="5842679" cy="4928863"/>
+          </a:xfrm>
+          <a:solidFill>
+            <a:schemeClr val="accent1">
+              <a:alpha val="50000"/>
+            </a:schemeClr>
+          </a:solidFill>
+          <a:ln>
+            <a:noFill/>
+          </a:ln>
+        </p:spPr>
+        <p:style>
+          <a:lnRef idx="0">
+            <a:scrgbClr r="0" g="0" b="0"/>
+          </a:lnRef>
+          <a:fillRef idx="0">
+            <a:scrgbClr r="0" g="0" b="0"/>
+          </a:fillRef>
+          <a:effectRef idx="0">
+            <a:scrgbClr r="0" g="0" b="0"/>
+          </a:effectRef>
+          <a:fontRef idx="minor">
+            <a:schemeClr val="lt1"/>
+          </a:fontRef>
+        </p:style>
+      </p:pic>
     </p:spTree>
     <p:extLst>
       <p:ext uri="{BB962C8B-B14F-4D97-AF65-F5344CB8AC3E}">
-        <p14:creationId xmlns:p14="http://schemas.microsoft.com/office/powerpoint/2010/main" val="4034742414"/>
+        <p14:creationId xmlns="" xmlns:p14="http://schemas.microsoft.com/office/powerpoint/2010/main" val="4154382885"/>
+      </p:ext>
+    </p:extLst>
+  </p:cSld>
+  <p:clrMapOvr>
+    <a:masterClrMapping/>
+  </p:clrMapOvr>
+</p:sld>
+</file>
+
+<file path=ppt/slides/slide9.xml><?xml version="1.0" encoding="utf-8"?>
+<p:sld xmlns:a="http://schemas.openxmlformats.org/drawingml/2006/main" xmlns:r="http://schemas.openxmlformats.org/officeDocument/2006/relationships" xmlns:p="http://schemas.openxmlformats.org/presentationml/2006/main">
+  <p:cSld>
+    <p:bg>
+      <p:bgPr>
+        <a:blipFill dpi="0" rotWithShape="1">
+          <a:blip r:embed="rId2" cstate="print">
+            <a:lum/>
+          </a:blip>
+          <a:srcRect/>
+          <a:stretch>
+            <a:fillRect/>
+          </a:stretch>
+        </a:blipFill>
+        <a:effectLst/>
+      </p:bgPr>
+    </p:bg>
+    <p:spTree>
+      <p:nvGrpSpPr>
+        <p:cNvPr id="1" name=""/>
+        <p:cNvGrpSpPr/>
+        <p:nvPr/>
+      </p:nvGrpSpPr>
+      <p:grpSpPr>
+        <a:xfrm>
+          <a:off x="0" y="0"/>
+          <a:ext cx="0" cy="0"/>
+          <a:chOff x="0" y="0"/>
+          <a:chExt cx="0" cy="0"/>
+        </a:xfrm>
+      </p:grpSpPr>
+      <p:sp>
+        <p:nvSpPr>
+          <p:cNvPr id="2" name="Заголовок 1">
+            <a:extLst>
+              <a:ext uri="{FF2B5EF4-FFF2-40B4-BE49-F238E27FC236}">
+                <a16:creationId xmlns="" xmlns:a16="http://schemas.microsoft.com/office/drawing/2014/main" id="{32E1B4D4-B574-4270-8D7F-AECCC683D88A}"/>
+              </a:ext>
+            </a:extLst>
+          </p:cNvPr>
+          <p:cNvSpPr>
+            <a:spLocks noGrp="1"/>
+          </p:cNvSpPr>
+          <p:nvPr>
+            <p:ph type="title"/>
+          </p:nvPr>
+        </p:nvSpPr>
+        <p:spPr>
+          <a:xfrm>
+            <a:off x="5994340" y="208782"/>
+            <a:ext cx="6365479" cy="1325563"/>
+          </a:xfrm>
+          <a:noFill/>
+          <a:ln>
+            <a:noFill/>
+          </a:ln>
+        </p:spPr>
+        <p:style>
+          <a:lnRef idx="0">
+            <a:scrgbClr r="0" g="0" b="0"/>
+          </a:lnRef>
+          <a:fillRef idx="0">
+            <a:scrgbClr r="0" g="0" b="0"/>
+          </a:fillRef>
+          <a:effectRef idx="0">
+            <a:scrgbClr r="0" g="0" b="0"/>
+          </a:effectRef>
+          <a:fontRef idx="minor">
+            <a:schemeClr val="accent2"/>
+          </a:fontRef>
+        </p:style>
+        <p:txBody>
+          <a:bodyPr>
+            <a:normAutofit/>
+          </a:bodyPr>
+          <a:lstStyle/>
+          <a:p>
+            <a:pPr algn="ctr"/>
+            <a:r>
+              <a:rPr lang="ru-RU" sz="5400" dirty="0" smtClean="0"/>
+              <a:t>Настройки игры</a:t>
+            </a:r>
+            <a:endParaRPr lang="ru-RU" sz="5400" dirty="0"/>
+          </a:p>
+        </p:txBody>
+      </p:sp>
+      <p:pic>
+        <p:nvPicPr>
+          <p:cNvPr id="6" name="Содержимое 5" descr="настройки.png"/>
+          <p:cNvPicPr>
+            <a:picLocks noGrp="1" noChangeAspect="1"/>
+          </p:cNvPicPr>
+          <p:nvPr>
+            <p:ph idx="1"/>
+          </p:nvPr>
+        </p:nvPicPr>
+        <p:blipFill>
+          <a:blip r:embed="rId3" cstate="print"/>
+          <a:stretch>
+            <a:fillRect/>
+          </a:stretch>
+        </p:blipFill>
+        <p:spPr>
+          <a:xfrm>
+            <a:off x="461885" y="1228164"/>
+            <a:ext cx="6145103" cy="5187526"/>
+          </a:xfrm>
+        </p:spPr>
+      </p:pic>
+      <p:sp>
+        <p:nvSpPr>
+          <p:cNvPr id="8" name="TextBox 7"/>
+          <p:cNvSpPr txBox="1"/>
+          <p:nvPr/>
+        </p:nvSpPr>
+        <p:spPr>
+          <a:xfrm>
+            <a:off x="6830568" y="1408176"/>
+            <a:ext cx="3968496" cy="1477328"/>
+          </a:xfrm>
+          <a:prstGeom prst="rect">
+            <a:avLst/>
+          </a:prstGeom>
+          <a:noFill/>
+        </p:spPr>
+        <p:txBody>
+          <a:bodyPr wrap="square" rtlCol="0">
+            <a:spAutoFit/>
+          </a:bodyPr>
+          <a:lstStyle/>
+          <a:p>
+            <a:r>
+              <a:rPr lang="ru-RU" dirty="0" smtClean="0">
+                <a:solidFill>
+                  <a:schemeClr val="bg1"/>
+                </a:solidFill>
+              </a:rPr>
+              <a:t>В игре есть уникальная возможность смены стилей у кубиков в игре. Всего на выбор дается 5 разных стилей. Есть как красивые, так и достаточно забавные.</a:t>
+            </a:r>
+            <a:endParaRPr lang="ru-RU" dirty="0">
+              <a:solidFill>
+                <a:schemeClr val="bg1"/>
+              </a:solidFill>
+            </a:endParaRPr>
+          </a:p>
+        </p:txBody>
+      </p:sp>
+    </p:spTree>
+    <p:extLst>
+      <p:ext uri="{BB962C8B-B14F-4D97-AF65-F5344CB8AC3E}">
+        <p14:creationId xmlns="" xmlns:p14="http://schemas.microsoft.com/office/powerpoint/2010/main" val="4154382885"/>
       </p:ext>
     </p:extLst>
   </p:cSld>
@@ -5005,7 +5816,7 @@
     </a:clrScheme>
     <a:fontScheme name="Стандартная">
       <a:majorFont>
-        <a:latin typeface="Calibri Light" panose="020F0302020204030204"/>
+        <a:latin typeface="Calibri Light"/>
         <a:ea typeface=""/>
         <a:cs typeface=""/>
         <a:font script="Jpan" typeface="游ゴシック Light"/>
@@ -5057,7 +5868,7 @@
         <a:font script="Tfng" typeface="Ebrima"/>
       </a:majorFont>
       <a:minorFont>
-        <a:latin typeface="Calibri" panose="020F0502020204030204"/>
+        <a:latin typeface="Calibri"/>
         <a:ea typeface=""/>
         <a:cs typeface=""/>
         <a:font script="Jpan" typeface="游ゴシック"/>
@@ -5251,7 +6062,7 @@
   <a:extraClrSchemeLst/>
   <a:extLst>
     <a:ext uri="{05A4C25C-085E-4340-85A3-A5531E510DB2}">
-      <thm15:themeFamily xmlns:thm15="http://schemas.microsoft.com/office/thememl/2012/main" name="Office Theme" id="{62F939B6-93AF-4DB8-9C6B-D6C7DFDC589F}" vid="{4A3C46E8-61CC-4603-A589-7422A47A8E4A}"/>
+      <thm15:themeFamily xmlns="" xmlns:thm15="http://schemas.microsoft.com/office/thememl/2012/main" name="Office Theme" id="{62F939B6-93AF-4DB8-9C6B-D6C7DFDC589F}" vid="{4A3C46E8-61CC-4603-A589-7422A47A8E4A}"/>
     </a:ext>
   </a:extLst>
 </a:theme>
